--- a/宣道詩/(宣道詩24)我要耶穌.pptx
+++ b/宣道詩/(宣道詩24)我要耶穌.pptx
@@ -5,12 +5,22 @@
     <p:sldMasterId id="2147483660" r:id="rId1"/>
   </p:sldMasterIdLst>
   <p:sldIdLst>
-    <p:sldId id="257" r:id="rId2"/>
-    <p:sldId id="258" r:id="rId3"/>
-    <p:sldId id="259" r:id="rId4"/>
-    <p:sldId id="260" r:id="rId5"/>
-    <p:sldId id="261" r:id="rId6"/>
-    <p:sldId id="262" r:id="rId7"/>
+    <p:sldId id="263" r:id="rId2"/>
+    <p:sldId id="264" r:id="rId3"/>
+    <p:sldId id="265" r:id="rId4"/>
+    <p:sldId id="266" r:id="rId5"/>
+    <p:sldId id="267" r:id="rId6"/>
+    <p:sldId id="268" r:id="rId7"/>
+    <p:sldId id="269" r:id="rId8"/>
+    <p:sldId id="270" r:id="rId9"/>
+    <p:sldId id="271" r:id="rId10"/>
+    <p:sldId id="272" r:id="rId11"/>
+    <p:sldId id="273" r:id="rId12"/>
+    <p:sldId id="274" r:id="rId13"/>
+    <p:sldId id="275" r:id="rId14"/>
+    <p:sldId id="276" r:id="rId15"/>
+    <p:sldId id="277" r:id="rId16"/>
+    <p:sldId id="278" r:id="rId17"/>
   </p:sldIdLst>
   <p:sldSz cx="12192000" cy="6858000"/>
   <p:notesSz cx="6858000" cy="9144000"/>
@@ -109,6 +119,11 @@
       </a:defRPr>
     </a:lvl9pPr>
   </p:defaultTextStyle>
+  <p:extLst>
+    <p:ext uri="{EFAFB233-063F-42B5-8137-9DF3F51BA10A}">
+      <p15:sldGuideLst xmlns:p15="http://schemas.microsoft.com/office/powerpoint/2012/main"/>
+    </p:ext>
+  </p:extLst>
 </p:presentation>
 </file>
 
@@ -293,7 +308,7 @@
           <a:p>
             <a:fld id="{A01079F0-9A10-4680-8E05-B1ED70D41E13}" type="datetimeFigureOut">
               <a:rPr lang="vi-VN" smtClean="0"/>
-              <a:t>18/07/2020</a:t>
+              <a:t>13/02/2021</a:t>
             </a:fld>
             <a:endParaRPr lang="vi-VN"/>
           </a:p>
@@ -463,7 +478,7 @@
           <a:p>
             <a:fld id="{A01079F0-9A10-4680-8E05-B1ED70D41E13}" type="datetimeFigureOut">
               <a:rPr lang="vi-VN" smtClean="0"/>
-              <a:t>18/07/2020</a:t>
+              <a:t>13/02/2021</a:t>
             </a:fld>
             <a:endParaRPr lang="vi-VN"/>
           </a:p>
@@ -643,7 +658,7 @@
           <a:p>
             <a:fld id="{A01079F0-9A10-4680-8E05-B1ED70D41E13}" type="datetimeFigureOut">
               <a:rPr lang="vi-VN" smtClean="0"/>
-              <a:t>18/07/2020</a:t>
+              <a:t>13/02/2021</a:t>
             </a:fld>
             <a:endParaRPr lang="vi-VN"/>
           </a:p>
@@ -813,7 +828,7 @@
           <a:p>
             <a:fld id="{A01079F0-9A10-4680-8E05-B1ED70D41E13}" type="datetimeFigureOut">
               <a:rPr lang="vi-VN" smtClean="0"/>
-              <a:t>18/07/2020</a:t>
+              <a:t>13/02/2021</a:t>
             </a:fld>
             <a:endParaRPr lang="vi-VN"/>
           </a:p>
@@ -1059,7 +1074,7 @@
           <a:p>
             <a:fld id="{A01079F0-9A10-4680-8E05-B1ED70D41E13}" type="datetimeFigureOut">
               <a:rPr lang="vi-VN" smtClean="0"/>
-              <a:t>18/07/2020</a:t>
+              <a:t>13/02/2021</a:t>
             </a:fld>
             <a:endParaRPr lang="vi-VN"/>
           </a:p>
@@ -1347,7 +1362,7 @@
           <a:p>
             <a:fld id="{A01079F0-9A10-4680-8E05-B1ED70D41E13}" type="datetimeFigureOut">
               <a:rPr lang="vi-VN" smtClean="0"/>
-              <a:t>18/07/2020</a:t>
+              <a:t>13/02/2021</a:t>
             </a:fld>
             <a:endParaRPr lang="vi-VN"/>
           </a:p>
@@ -1769,7 +1784,7 @@
           <a:p>
             <a:fld id="{A01079F0-9A10-4680-8E05-B1ED70D41E13}" type="datetimeFigureOut">
               <a:rPr lang="vi-VN" smtClean="0"/>
-              <a:t>18/07/2020</a:t>
+              <a:t>13/02/2021</a:t>
             </a:fld>
             <a:endParaRPr lang="vi-VN"/>
           </a:p>
@@ -1887,7 +1902,7 @@
           <a:p>
             <a:fld id="{A01079F0-9A10-4680-8E05-B1ED70D41E13}" type="datetimeFigureOut">
               <a:rPr lang="vi-VN" smtClean="0"/>
-              <a:t>18/07/2020</a:t>
+              <a:t>13/02/2021</a:t>
             </a:fld>
             <a:endParaRPr lang="vi-VN"/>
           </a:p>
@@ -1982,7 +1997,7 @@
           <a:p>
             <a:fld id="{A01079F0-9A10-4680-8E05-B1ED70D41E13}" type="datetimeFigureOut">
               <a:rPr lang="vi-VN" smtClean="0"/>
-              <a:t>18/07/2020</a:t>
+              <a:t>13/02/2021</a:t>
             </a:fld>
             <a:endParaRPr lang="vi-VN"/>
           </a:p>
@@ -2259,7 +2274,7 @@
           <a:p>
             <a:fld id="{A01079F0-9A10-4680-8E05-B1ED70D41E13}" type="datetimeFigureOut">
               <a:rPr lang="vi-VN" smtClean="0"/>
-              <a:t>18/07/2020</a:t>
+              <a:t>13/02/2021</a:t>
             </a:fld>
             <a:endParaRPr lang="vi-VN"/>
           </a:p>
@@ -2516,7 +2531,7 @@
           <a:p>
             <a:fld id="{A01079F0-9A10-4680-8E05-B1ED70D41E13}" type="datetimeFigureOut">
               <a:rPr lang="vi-VN" smtClean="0"/>
-              <a:t>18/07/2020</a:t>
+              <a:t>13/02/2021</a:t>
             </a:fld>
             <a:endParaRPr lang="vi-VN"/>
           </a:p>
@@ -2734,7 +2749,7 @@
           <a:p>
             <a:fld id="{A01079F0-9A10-4680-8E05-B1ED70D41E13}" type="datetimeFigureOut">
               <a:rPr lang="vi-VN" smtClean="0"/>
-              <a:t>18/07/2020</a:t>
+              <a:t>13/02/2021</a:t>
             </a:fld>
             <a:endParaRPr lang="vi-VN"/>
           </a:p>
@@ -3111,7 +3126,7 @@
       </p:grpSpPr>
       <p:sp>
         <p:nvSpPr>
-          <p:cNvPr id="2" name="Title 1"/>
+          <p:cNvPr id="4" name="標題 3"/>
           <p:cNvSpPr>
             <a:spLocks noGrp="1"/>
           </p:cNvSpPr>
@@ -3119,29 +3134,401 @@
             <p:ph type="title"/>
           </p:nvPr>
         </p:nvSpPr>
-        <p:spPr/>
+        <p:spPr>
+          <a:xfrm>
+            <a:off x="0" y="2857513"/>
+            <a:ext cx="12192000" cy="1143000"/>
+          </a:xfrm>
+        </p:spPr>
         <p:txBody>
           <a:bodyPr>
+            <a:noAutofit/>
+          </a:bodyPr>
+          <a:lstStyle/>
+          <a:p>
+            <a:r>
+              <a:rPr lang="zh-CN" altLang="en-US" sz="5333" b="1" u="sng" dirty="0">
+                <a:solidFill>
+                  <a:srgbClr val="000066"/>
+                </a:solidFill>
+                <a:effectLst>
+                  <a:outerShdw blurRad="38100" dist="38100" dir="2700000" algn="tl">
+                    <a:srgbClr val="000000">
+                      <a:alpha val="43137"/>
+                    </a:srgbClr>
+                  </a:outerShdw>
+                </a:effectLst>
+                <a:latin typeface="微軟正黑體" pitchFamily="34" charset="-120"/>
+                <a:ea typeface="微軟正黑體" pitchFamily="34" charset="-120"/>
+              </a:rPr>
+              <a:t>宣道詩 </a:t>
+            </a:r>
+            <a:r>
+              <a:rPr lang="en-US" altLang="zh-CN" sz="5333" b="1" u="sng" dirty="0">
+                <a:solidFill>
+                  <a:srgbClr val="000066"/>
+                </a:solidFill>
+                <a:effectLst>
+                  <a:outerShdw blurRad="38100" dist="38100" dir="2700000" algn="tl">
+                    <a:srgbClr val="000000">
+                      <a:alpha val="43137"/>
+                    </a:srgbClr>
+                  </a:outerShdw>
+                </a:effectLst>
+                <a:latin typeface="微軟正黑體" pitchFamily="34" charset="-120"/>
+                <a:ea typeface="微軟正黑體" pitchFamily="34" charset="-120"/>
+              </a:rPr>
+              <a:t>24</a:t>
+            </a:r>
+            <a:r>
+              <a:rPr lang="en-US" altLang="zh-CN" sz="7200" b="1" i="1" dirty="0">
+                <a:solidFill>
+                  <a:srgbClr val="660033"/>
+                </a:solidFill>
+                <a:effectLst>
+                  <a:outerShdw blurRad="38100" dist="38100" dir="2700000" algn="tl">
+                    <a:srgbClr val="000000">
+                      <a:alpha val="43137"/>
+                    </a:srgbClr>
+                  </a:outerShdw>
+                </a:effectLst>
+                <a:latin typeface="微軟正黑體" pitchFamily="34" charset="-120"/>
+                <a:ea typeface="微軟正黑體" pitchFamily="34" charset="-120"/>
+              </a:rPr>
+              <a:t/>
+            </a:r>
+            <a:br>
+              <a:rPr lang="en-US" altLang="zh-CN" sz="7200" b="1" i="1" dirty="0">
+                <a:solidFill>
+                  <a:srgbClr val="660033"/>
+                </a:solidFill>
+                <a:effectLst>
+                  <a:outerShdw blurRad="38100" dist="38100" dir="2700000" algn="tl">
+                    <a:srgbClr val="000000">
+                      <a:alpha val="43137"/>
+                    </a:srgbClr>
+                  </a:outerShdw>
+                </a:effectLst>
+                <a:latin typeface="微軟正黑體" pitchFamily="34" charset="-120"/>
+                <a:ea typeface="微軟正黑體" pitchFamily="34" charset="-120"/>
+              </a:rPr>
+            </a:br>
+            <a:r>
+              <a:rPr lang="zh-TW" altLang="en-US" sz="8000" b="1" dirty="0">
+                <a:solidFill>
+                  <a:srgbClr val="660033"/>
+                </a:solidFill>
+                <a:effectLst>
+                  <a:outerShdw blurRad="38100" dist="38100" dir="2700000" algn="tl">
+                    <a:srgbClr val="000000">
+                      <a:alpha val="43137"/>
+                    </a:srgbClr>
+                  </a:outerShdw>
+                </a:effectLst>
+                <a:latin typeface="微軟正黑體" pitchFamily="34" charset="-120"/>
+                <a:ea typeface="微軟正黑體" pitchFamily="34" charset="-120"/>
+              </a:rPr>
+              <a:t>我</a:t>
+            </a:r>
+            <a:r>
+              <a:rPr lang="zh-CN" altLang="en-US" sz="8000" b="1" dirty="0">
+                <a:solidFill>
+                  <a:srgbClr val="660033"/>
+                </a:solidFill>
+                <a:effectLst>
+                  <a:outerShdw blurRad="38100" dist="38100" dir="2700000" algn="tl">
+                    <a:srgbClr val="000000">
+                      <a:alpha val="43137"/>
+                    </a:srgbClr>
+                  </a:outerShdw>
+                </a:effectLst>
+                <a:latin typeface="微軟正黑體" pitchFamily="34" charset="-120"/>
+                <a:ea typeface="微軟正黑體" pitchFamily="34" charset="-120"/>
+              </a:rPr>
+              <a:t>要</a:t>
+            </a:r>
+            <a:r>
+              <a:rPr lang="zh-CN" altLang="en-US" sz="8000" b="1" dirty="0">
+                <a:solidFill>
+                  <a:srgbClr val="660033"/>
+                </a:solidFill>
+                <a:effectLst>
+                  <a:outerShdw blurRad="38100" dist="38100" dir="2700000" algn="tl">
+                    <a:srgbClr val="000000">
+                      <a:alpha val="43137"/>
+                    </a:srgbClr>
+                  </a:outerShdw>
+                </a:effectLst>
+                <a:latin typeface="微軟正黑體" pitchFamily="34" charset="-120"/>
+                <a:ea typeface="微軟正黑體" pitchFamily="34" charset="-120"/>
+              </a:rPr>
+              <a:t>耶穌</a:t>
+            </a:r>
+            <a:endParaRPr lang="zh-TW" altLang="en-US" sz="8000" b="1" dirty="0">
+              <a:solidFill>
+                <a:srgbClr val="660033"/>
+              </a:solidFill>
+              <a:effectLst>
+                <a:outerShdw blurRad="38100" dist="38100" dir="2700000" algn="tl">
+                  <a:srgbClr val="000000">
+                    <a:alpha val="43137"/>
+                  </a:srgbClr>
+                </a:outerShdw>
+              </a:effectLst>
+              <a:latin typeface="微軟正黑體" pitchFamily="34" charset="-120"/>
+              <a:ea typeface="微軟正黑體" pitchFamily="34" charset="-120"/>
+            </a:endParaRPr>
+          </a:p>
+        </p:txBody>
+      </p:sp>
+    </p:spTree>
+    <p:extLst>
+      <p:ext uri="{BB962C8B-B14F-4D97-AF65-F5344CB8AC3E}">
+        <p14:creationId xmlns:p14="http://schemas.microsoft.com/office/powerpoint/2010/main" val="2148108630"/>
+      </p:ext>
+    </p:extLst>
+  </p:cSld>
+  <p:clrMapOvr>
+    <a:masterClrMapping/>
+  </p:clrMapOvr>
+  <p:timing>
+    <p:tnLst>
+      <p:par>
+        <p:cTn id="1" dur="indefinite" restart="never" nodeType="tmRoot"/>
+      </p:par>
+    </p:tnLst>
+  </p:timing>
+</p:sld>
+</file>
+
+<file path=ppt/slides/slide10.xml><?xml version="1.0" encoding="utf-8"?>
+<p:sld xmlns:a="http://schemas.openxmlformats.org/drawingml/2006/main" xmlns:r="http://schemas.openxmlformats.org/officeDocument/2006/relationships" xmlns:p="http://schemas.openxmlformats.org/presentationml/2006/main">
+  <p:cSld>
+    <p:spTree>
+      <p:nvGrpSpPr>
+        <p:cNvPr id="1" name=""/>
+        <p:cNvGrpSpPr/>
+        <p:nvPr/>
+      </p:nvGrpSpPr>
+      <p:grpSpPr>
+        <a:xfrm>
+          <a:off x="0" y="0"/>
+          <a:ext cx="0" cy="0"/>
+          <a:chOff x="0" y="0"/>
+          <a:chExt cx="0" cy="0"/>
+        </a:xfrm>
+      </p:grpSpPr>
+      <p:sp>
+        <p:nvSpPr>
+          <p:cNvPr id="5" name="內容版面配置區 4"/>
+          <p:cNvSpPr>
+            <a:spLocks noGrp="1"/>
+          </p:cNvSpPr>
+          <p:nvPr>
+            <p:ph idx="1"/>
+          </p:nvPr>
+        </p:nvSpPr>
+        <p:spPr>
+          <a:xfrm>
+            <a:off x="0" y="2084851"/>
+            <a:ext cx="12192000" cy="2404863"/>
+          </a:xfrm>
+        </p:spPr>
+        <p:txBody>
+          <a:bodyPr anchor="ctr">
             <a:normAutofit/>
           </a:bodyPr>
           <a:lstStyle/>
           <a:p>
-            <a:r>
-              <a:rPr lang="zh-CN" altLang="en-US" sz="4800" b="1" dirty="0" smtClean="0">
+            <a:pPr marL="0" indent="0" algn="ctr">
+              <a:buNone/>
+            </a:pPr>
+            <a:r>
+              <a:rPr lang="zh-CN" altLang="en-US" sz="6400" b="1" dirty="0">
+                <a:solidFill>
+                  <a:srgbClr val="660033"/>
+                </a:solidFill>
+                <a:latin typeface="Microsoft JhengHei" panose="020B0604030504040204" pitchFamily="34" charset="-120"/>
+                <a:ea typeface="Microsoft JhengHei" panose="020B0604030504040204" pitchFamily="34" charset="-120"/>
+              </a:rPr>
+              <a:t>光明時日我要祂  </a:t>
+            </a:r>
+            <a:endParaRPr lang="en-US" altLang="zh-CN" sz="6400" b="1" dirty="0">
+              <a:solidFill>
+                <a:srgbClr val="660033"/>
+              </a:solidFill>
+              <a:latin typeface="Microsoft JhengHei" panose="020B0604030504040204" pitchFamily="34" charset="-120"/>
+              <a:ea typeface="Microsoft JhengHei" panose="020B0604030504040204" pitchFamily="34" charset="-120"/>
+            </a:endParaRPr>
+          </a:p>
+          <a:p>
+            <a:pPr marL="0" indent="0" algn="ctr">
+              <a:buNone/>
+            </a:pPr>
+            <a:r>
+              <a:rPr lang="zh-CN" altLang="en-US" sz="6400" b="1" dirty="0">
+                <a:solidFill>
+                  <a:srgbClr val="660033"/>
+                </a:solidFill>
+                <a:latin typeface="Microsoft JhengHei" panose="020B0604030504040204" pitchFamily="34" charset="-120"/>
+                <a:ea typeface="Microsoft JhengHei" panose="020B0604030504040204" pitchFamily="34" charset="-120"/>
+              </a:rPr>
+              <a:t>黑雲滿佈我要祂</a:t>
+            </a:r>
+            <a:endParaRPr lang="en-US" altLang="zh-CN" sz="6400" b="1" dirty="0">
+              <a:solidFill>
+                <a:srgbClr val="660033"/>
+              </a:solidFill>
+              <a:latin typeface="Microsoft JhengHei" panose="020B0604030504040204" pitchFamily="34" charset="-120"/>
+              <a:ea typeface="Microsoft JhengHei" panose="020B0604030504040204" pitchFamily="34" charset="-120"/>
+            </a:endParaRPr>
+          </a:p>
+        </p:txBody>
+      </p:sp>
+    </p:spTree>
+    <p:extLst>
+      <p:ext uri="{BB962C8B-B14F-4D97-AF65-F5344CB8AC3E}">
+        <p14:creationId xmlns:p14="http://schemas.microsoft.com/office/powerpoint/2010/main" val="479760216"/>
+      </p:ext>
+    </p:extLst>
+  </p:cSld>
+  <p:clrMapOvr>
+    <a:masterClrMapping/>
+  </p:clrMapOvr>
+  <p:timing>
+    <p:tnLst>
+      <p:par>
+        <p:cTn id="1" dur="indefinite" restart="never" nodeType="tmRoot"/>
+      </p:par>
+    </p:tnLst>
+  </p:timing>
+</p:sld>
+</file>
+
+<file path=ppt/slides/slide11.xml><?xml version="1.0" encoding="utf-8"?>
+<p:sld xmlns:a="http://schemas.openxmlformats.org/drawingml/2006/main" xmlns:r="http://schemas.openxmlformats.org/officeDocument/2006/relationships" xmlns:p="http://schemas.openxmlformats.org/presentationml/2006/main">
+  <p:cSld>
+    <p:spTree>
+      <p:nvGrpSpPr>
+        <p:cNvPr id="1" name=""/>
+        <p:cNvGrpSpPr/>
+        <p:nvPr/>
+      </p:nvGrpSpPr>
+      <p:grpSpPr>
+        <a:xfrm>
+          <a:off x="0" y="0"/>
+          <a:ext cx="0" cy="0"/>
+          <a:chOff x="0" y="0"/>
+          <a:chExt cx="0" cy="0"/>
+        </a:xfrm>
+      </p:grpSpPr>
+      <p:sp>
+        <p:nvSpPr>
+          <p:cNvPr id="5" name="內容版面配置區 4"/>
+          <p:cNvSpPr>
+            <a:spLocks noGrp="1"/>
+          </p:cNvSpPr>
+          <p:nvPr>
+            <p:ph idx="1"/>
+          </p:nvPr>
+        </p:nvSpPr>
+        <p:spPr>
+          <a:xfrm>
+            <a:off x="0" y="2084851"/>
+            <a:ext cx="12192000" cy="2404863"/>
+          </a:xfrm>
+        </p:spPr>
+        <p:txBody>
+          <a:bodyPr anchor="ctr">
+            <a:normAutofit/>
+          </a:bodyPr>
+          <a:lstStyle/>
+          <a:p>
+            <a:pPr marL="0" indent="0" algn="ctr">
+              <a:buNone/>
+            </a:pPr>
+            <a:r>
+              <a:rPr lang="zh-CN" altLang="en-US" sz="6400" b="1" dirty="0">
+                <a:solidFill>
+                  <a:srgbClr val="660033"/>
+                </a:solidFill>
+                <a:latin typeface="Microsoft JhengHei" panose="020B0604030504040204" pitchFamily="34" charset="-120"/>
+                <a:ea typeface="Microsoft JhengHei" panose="020B0604030504040204" pitchFamily="34" charset="-120"/>
+              </a:rPr>
+              <a:t>每日在我生命中  </a:t>
+            </a:r>
+            <a:endParaRPr lang="en-US" altLang="zh-CN" sz="6400" b="1" dirty="0">
+              <a:solidFill>
+                <a:srgbClr val="660033"/>
+              </a:solidFill>
+              <a:latin typeface="Microsoft JhengHei" panose="020B0604030504040204" pitchFamily="34" charset="-120"/>
+              <a:ea typeface="Microsoft JhengHei" panose="020B0604030504040204" pitchFamily="34" charset="-120"/>
+            </a:endParaRPr>
+          </a:p>
+          <a:p>
+            <a:pPr marL="0" indent="0" algn="ctr">
+              <a:buNone/>
+            </a:pPr>
+            <a:r>
+              <a:rPr lang="zh-CN" altLang="en-US" sz="6400" b="1" dirty="0">
+                <a:solidFill>
+                  <a:srgbClr val="660033"/>
+                </a:solidFill>
                 <a:latin typeface="Microsoft JhengHei" panose="020B0604030504040204" pitchFamily="34" charset="-120"/>
                 <a:ea typeface="Microsoft JhengHei" panose="020B0604030504040204" pitchFamily="34" charset="-120"/>
               </a:rPr>
               <a:t>我要耶穌</a:t>
             </a:r>
-            <a:endParaRPr lang="vi-VN" sz="4800" b="1" dirty="0">
+            <a:endParaRPr lang="en-US" altLang="zh-CN" sz="6400" b="1" dirty="0">
+              <a:solidFill>
+                <a:srgbClr val="660033"/>
+              </a:solidFill>
+              <a:latin typeface="Microsoft JhengHei" panose="020B0604030504040204" pitchFamily="34" charset="-120"/>
               <a:ea typeface="Microsoft JhengHei" panose="020B0604030504040204" pitchFamily="34" charset="-120"/>
             </a:endParaRPr>
           </a:p>
         </p:txBody>
       </p:sp>
-      <p:sp>
-        <p:nvSpPr>
-          <p:cNvPr id="3" name="Content Placeholder 2"/>
+    </p:spTree>
+    <p:extLst>
+      <p:ext uri="{BB962C8B-B14F-4D97-AF65-F5344CB8AC3E}">
+        <p14:creationId xmlns:p14="http://schemas.microsoft.com/office/powerpoint/2010/main" val="3420375357"/>
+      </p:ext>
+    </p:extLst>
+  </p:cSld>
+  <p:clrMapOvr>
+    <a:masterClrMapping/>
+  </p:clrMapOvr>
+  <p:timing>
+    <p:tnLst>
+      <p:par>
+        <p:cTn id="1" dur="indefinite" restart="never" nodeType="tmRoot"/>
+      </p:par>
+    </p:tnLst>
+  </p:timing>
+</p:sld>
+</file>
+
+<file path=ppt/slides/slide12.xml><?xml version="1.0" encoding="utf-8"?>
+<p:sld xmlns:a="http://schemas.openxmlformats.org/drawingml/2006/main" xmlns:r="http://schemas.openxmlformats.org/officeDocument/2006/relationships" xmlns:p="http://schemas.openxmlformats.org/presentationml/2006/main">
+  <p:cSld>
+    <p:spTree>
+      <p:nvGrpSpPr>
+        <p:cNvPr id="1" name=""/>
+        <p:cNvGrpSpPr/>
+        <p:nvPr/>
+      </p:nvGrpSpPr>
+      <p:grpSpPr>
+        <a:xfrm>
+          <a:off x="0" y="0"/>
+          <a:ext cx="0" cy="0"/>
+          <a:chOff x="0" y="0"/>
+          <a:chExt cx="0" cy="0"/>
+        </a:xfrm>
+      </p:grpSpPr>
+      <p:sp>
+        <p:nvSpPr>
+          <p:cNvPr id="5" name="內容版面配置區 4"/>
           <p:cNvSpPr>
             <a:spLocks noGrp="1"/>
           </p:cNvSpPr>
@@ -3149,9 +3536,14 @@
             <p:ph idx="1"/>
           </p:nvPr>
         </p:nvSpPr>
-        <p:spPr/>
-        <p:txBody>
-          <a:bodyPr>
+        <p:spPr>
+          <a:xfrm>
+            <a:off x="0" y="2084851"/>
+            <a:ext cx="12192000" cy="2404863"/>
+          </a:xfrm>
+        </p:spPr>
+        <p:txBody>
+          <a:bodyPr anchor="ctr">
             <a:normAutofit/>
           </a:bodyPr>
           <a:lstStyle/>
@@ -3160,13 +3552,19 @@
               <a:buNone/>
             </a:pPr>
             <a:r>
-              <a:rPr lang="zh-CN" altLang="en-US" sz="5400" b="1" dirty="0" smtClean="0">
+              <a:rPr lang="zh-CN" altLang="en-US" sz="6400" b="1" dirty="0">
+                <a:solidFill>
+                  <a:srgbClr val="660033"/>
+                </a:solidFill>
                 <a:latin typeface="Microsoft JhengHei" panose="020B0604030504040204" pitchFamily="34" charset="-120"/>
                 <a:ea typeface="Microsoft JhengHei" panose="020B0604030504040204" pitchFamily="34" charset="-120"/>
               </a:rPr>
-              <a:t>我深知道我真需要耶穌</a:t>
-            </a:r>
-            <a:endParaRPr lang="en-US" altLang="zh-CN" sz="5400" b="1" dirty="0" smtClean="0">
+              <a:t>自生至死  我必需要耶穌</a:t>
+            </a:r>
+            <a:endParaRPr lang="en-US" altLang="zh-CN" sz="6400" b="1" dirty="0">
+              <a:solidFill>
+                <a:srgbClr val="660033"/>
+              </a:solidFill>
               <a:latin typeface="Microsoft JhengHei" panose="020B0604030504040204" pitchFamily="34" charset="-120"/>
               <a:ea typeface="Microsoft JhengHei" panose="020B0604030504040204" pitchFamily="34" charset="-120"/>
             </a:endParaRPr>
@@ -3176,75 +3574,35 @@
               <a:buNone/>
             </a:pPr>
             <a:r>
-              <a:rPr lang="zh-CN" altLang="en-US" sz="5400" b="1" dirty="0" smtClean="0">
+              <a:rPr lang="zh-CN" altLang="en-US" sz="6400" b="1" dirty="0">
+                <a:solidFill>
+                  <a:srgbClr val="660033"/>
+                </a:solidFill>
                 <a:latin typeface="Microsoft JhengHei" panose="020B0604030504040204" pitchFamily="34" charset="-120"/>
                 <a:ea typeface="Microsoft JhengHei" panose="020B0604030504040204" pitchFamily="34" charset="-120"/>
               </a:rPr>
-              <a:t>在憂愁時無他朋友像主</a:t>
-            </a:r>
-            <a:endParaRPr lang="en-US" altLang="zh-CN" sz="5400" b="1" dirty="0" smtClean="0">
+              <a:t>無人像主  他是罪人朋友</a:t>
+            </a:r>
+            <a:endParaRPr lang="en-US" altLang="zh-CN" sz="6400" b="1" dirty="0">
+              <a:solidFill>
+                <a:srgbClr val="660033"/>
+              </a:solidFill>
               <a:latin typeface="Microsoft JhengHei" panose="020B0604030504040204" pitchFamily="34" charset="-120"/>
               <a:ea typeface="Microsoft JhengHei" panose="020B0604030504040204" pitchFamily="34" charset="-120"/>
             </a:endParaRPr>
           </a:p>
-          <a:p>
-            <a:pPr marL="0" indent="0" algn="ctr">
-              <a:buNone/>
-            </a:pPr>
-            <a:r>
-              <a:rPr lang="zh-CN" altLang="en-US" sz="5400" b="1" dirty="0">
-                <a:latin typeface="Microsoft JhengHei" panose="020B0604030504040204" pitchFamily="34" charset="-120"/>
-                <a:ea typeface="Microsoft JhengHei" panose="020B0604030504040204" pitchFamily="34" charset="-120"/>
-              </a:rPr>
-              <a:t>我</a:t>
-            </a:r>
-            <a:r>
-              <a:rPr lang="zh-CN" altLang="en-US" sz="5400" b="1" dirty="0" smtClean="0">
-                <a:latin typeface="Microsoft JhengHei" panose="020B0604030504040204" pitchFamily="34" charset="-120"/>
-                <a:ea typeface="Microsoft JhengHei" panose="020B0604030504040204" pitchFamily="34" charset="-120"/>
-              </a:rPr>
-              <a:t>今歡樂因得所需耶穌</a:t>
-            </a:r>
-            <a:endParaRPr lang="en-US" altLang="zh-CN" sz="5400" b="1" dirty="0" smtClean="0">
-              <a:latin typeface="Microsoft JhengHei" panose="020B0604030504040204" pitchFamily="34" charset="-120"/>
-              <a:ea typeface="Microsoft JhengHei" panose="020B0604030504040204" pitchFamily="34" charset="-120"/>
-            </a:endParaRPr>
-          </a:p>
-          <a:p>
-            <a:pPr marL="0" indent="0" algn="ctr">
-              <a:buNone/>
-            </a:pPr>
-            <a:r>
-              <a:rPr lang="zh-CN" altLang="en-US" sz="5400" b="1" dirty="0">
-                <a:latin typeface="Microsoft JhengHei" panose="020B0604030504040204" pitchFamily="34" charset="-120"/>
-                <a:ea typeface="Microsoft JhengHei" panose="020B0604030504040204" pitchFamily="34" charset="-120"/>
-              </a:rPr>
-              <a:t>雖有</a:t>
-            </a:r>
-            <a:r>
-              <a:rPr lang="zh-CN" altLang="en-US" sz="5400" b="1" dirty="0" smtClean="0">
-                <a:latin typeface="Microsoft JhengHei" panose="020B0604030504040204" pitchFamily="34" charset="-120"/>
-                <a:ea typeface="Microsoft JhengHei" panose="020B0604030504040204" pitchFamily="34" charset="-120"/>
-              </a:rPr>
-              <a:t>人負自己重擔  惟我要耶穌</a:t>
-            </a:r>
-            <a:endParaRPr lang="en-US" altLang="zh-CN" sz="5400" b="1" dirty="0" smtClean="0">
-              <a:latin typeface="Microsoft JhengHei" panose="020B0604030504040204" pitchFamily="34" charset="-120"/>
-              <a:ea typeface="Microsoft JhengHei" panose="020B0604030504040204" pitchFamily="34" charset="-120"/>
-            </a:endParaRPr>
-          </a:p>
-        </p:txBody>
-      </p:sp>
-      <p:sp>
-        <p:nvSpPr>
-          <p:cNvPr id="4" name="TextBox 3"/>
+        </p:txBody>
+      </p:sp>
+      <p:sp>
+        <p:nvSpPr>
+          <p:cNvPr id="3" name="TextBox 2"/>
           <p:cNvSpPr txBox="1"/>
           <p:nvPr/>
         </p:nvSpPr>
         <p:spPr>
           <a:xfrm>
-            <a:off x="609600" y="1661824"/>
-            <a:ext cx="1020417" cy="923330"/>
+            <a:off x="0" y="5445224"/>
+            <a:ext cx="12192000" cy="748988"/>
           </a:xfrm>
           <a:prstGeom prst="rect">
             <a:avLst/>
@@ -3257,24 +3615,495 @@
           </a:bodyPr>
           <a:lstStyle/>
           <a:p>
-            <a:r>
-              <a:rPr lang="en-US" sz="5400" b="1" dirty="0" smtClean="0"/>
-              <a:t>1.</a:t>
-            </a:r>
-            <a:endParaRPr lang="vi-VN" sz="5400" b="1" dirty="0"/>
+            <a:pPr algn="ctr"/>
+            <a:r>
+              <a:rPr lang="en-US" sz="4267" b="1" dirty="0">
+                <a:solidFill>
+                  <a:srgbClr val="660033"/>
+                </a:solidFill>
+              </a:rPr>
+              <a:t>( 3 )</a:t>
+            </a:r>
+            <a:endParaRPr lang="vi-VN" sz="4267" b="1" dirty="0">
+              <a:solidFill>
+                <a:srgbClr val="660033"/>
+              </a:solidFill>
+            </a:endParaRPr>
           </a:p>
         </p:txBody>
       </p:sp>
     </p:spTree>
     <p:extLst>
       <p:ext uri="{BB962C8B-B14F-4D97-AF65-F5344CB8AC3E}">
-        <p14:creationId xmlns:p14="http://schemas.microsoft.com/office/powerpoint/2010/main" val="1697841303"/>
+        <p14:creationId xmlns:p14="http://schemas.microsoft.com/office/powerpoint/2010/main" val="1607923507"/>
       </p:ext>
     </p:extLst>
   </p:cSld>
   <p:clrMapOvr>
     <a:masterClrMapping/>
   </p:clrMapOvr>
+  <p:timing>
+    <p:tnLst>
+      <p:par>
+        <p:cTn id="1" dur="indefinite" restart="never" nodeType="tmRoot"/>
+      </p:par>
+    </p:tnLst>
+  </p:timing>
+</p:sld>
+</file>
+
+<file path=ppt/slides/slide13.xml><?xml version="1.0" encoding="utf-8"?>
+<p:sld xmlns:a="http://schemas.openxmlformats.org/drawingml/2006/main" xmlns:r="http://schemas.openxmlformats.org/officeDocument/2006/relationships" xmlns:p="http://schemas.openxmlformats.org/presentationml/2006/main">
+  <p:cSld>
+    <p:spTree>
+      <p:nvGrpSpPr>
+        <p:cNvPr id="1" name=""/>
+        <p:cNvGrpSpPr/>
+        <p:nvPr/>
+      </p:nvGrpSpPr>
+      <p:grpSpPr>
+        <a:xfrm>
+          <a:off x="0" y="0"/>
+          <a:ext cx="0" cy="0"/>
+          <a:chOff x="0" y="0"/>
+          <a:chExt cx="0" cy="0"/>
+        </a:xfrm>
+      </p:grpSpPr>
+      <p:sp>
+        <p:nvSpPr>
+          <p:cNvPr id="5" name="內容版面配置區 4"/>
+          <p:cNvSpPr>
+            <a:spLocks noGrp="1"/>
+          </p:cNvSpPr>
+          <p:nvPr>
+            <p:ph idx="1"/>
+          </p:nvPr>
+        </p:nvSpPr>
+        <p:spPr>
+          <a:xfrm>
+            <a:off x="0" y="2084851"/>
+            <a:ext cx="12192000" cy="2404863"/>
+          </a:xfrm>
+        </p:spPr>
+        <p:txBody>
+          <a:bodyPr anchor="ctr">
+            <a:normAutofit/>
+          </a:bodyPr>
+          <a:lstStyle/>
+          <a:p>
+            <a:pPr marL="0" indent="0" algn="ctr">
+              <a:buNone/>
+            </a:pPr>
+            <a:r>
+              <a:rPr lang="zh-CN" altLang="en-US" sz="6400" b="1" dirty="0">
+                <a:solidFill>
+                  <a:srgbClr val="660033"/>
+                </a:solidFill>
+                <a:latin typeface="Microsoft JhengHei" panose="020B0604030504040204" pitchFamily="34" charset="-120"/>
+                <a:ea typeface="Microsoft JhengHei" panose="020B0604030504040204" pitchFamily="34" charset="-120"/>
+              </a:rPr>
+              <a:t>在急難詩  我更需要耶穌</a:t>
+            </a:r>
+            <a:endParaRPr lang="en-US" altLang="zh-CN" sz="6400" b="1" dirty="0">
+              <a:solidFill>
+                <a:srgbClr val="660033"/>
+              </a:solidFill>
+              <a:latin typeface="Microsoft JhengHei" panose="020B0604030504040204" pitchFamily="34" charset="-120"/>
+              <a:ea typeface="Microsoft JhengHei" panose="020B0604030504040204" pitchFamily="34" charset="-120"/>
+            </a:endParaRPr>
+          </a:p>
+          <a:p>
+            <a:pPr marL="0" indent="0" algn="ctr">
+              <a:buNone/>
+            </a:pPr>
+            <a:r>
+              <a:rPr lang="zh-CN" altLang="en-US" sz="6400" b="1" dirty="0">
+                <a:solidFill>
+                  <a:srgbClr val="660033"/>
+                </a:solidFill>
+                <a:latin typeface="Microsoft JhengHei" panose="020B0604030504040204" pitchFamily="34" charset="-120"/>
+                <a:ea typeface="Microsoft JhengHei" panose="020B0604030504040204" pitchFamily="34" charset="-120"/>
+              </a:rPr>
+              <a:t>全能救主憐憫看顧  我需要耶穌</a:t>
+            </a:r>
+            <a:endParaRPr lang="en-US" altLang="zh-CN" sz="6400" b="1" dirty="0">
+              <a:solidFill>
+                <a:srgbClr val="660033"/>
+              </a:solidFill>
+              <a:latin typeface="Microsoft JhengHei" panose="020B0604030504040204" pitchFamily="34" charset="-120"/>
+              <a:ea typeface="Microsoft JhengHei" panose="020B0604030504040204" pitchFamily="34" charset="-120"/>
+            </a:endParaRPr>
+          </a:p>
+        </p:txBody>
+      </p:sp>
+      <p:sp>
+        <p:nvSpPr>
+          <p:cNvPr id="3" name="TextBox 2"/>
+          <p:cNvSpPr txBox="1"/>
+          <p:nvPr/>
+        </p:nvSpPr>
+        <p:spPr>
+          <a:xfrm>
+            <a:off x="0" y="5445224"/>
+            <a:ext cx="12192000" cy="748988"/>
+          </a:xfrm>
+          <a:prstGeom prst="rect">
+            <a:avLst/>
+          </a:prstGeom>
+          <a:noFill/>
+        </p:spPr>
+        <p:txBody>
+          <a:bodyPr wrap="square" rtlCol="0">
+            <a:spAutoFit/>
+          </a:bodyPr>
+          <a:lstStyle/>
+          <a:p>
+            <a:pPr algn="ctr"/>
+            <a:r>
+              <a:rPr lang="en-US" sz="4267" b="1" dirty="0">
+                <a:solidFill>
+                  <a:srgbClr val="660033"/>
+                </a:solidFill>
+              </a:rPr>
+              <a:t>( 3 )</a:t>
+            </a:r>
+            <a:endParaRPr lang="vi-VN" sz="4267" b="1" dirty="0">
+              <a:solidFill>
+                <a:srgbClr val="660033"/>
+              </a:solidFill>
+            </a:endParaRPr>
+          </a:p>
+        </p:txBody>
+      </p:sp>
+    </p:spTree>
+    <p:extLst>
+      <p:ext uri="{BB962C8B-B14F-4D97-AF65-F5344CB8AC3E}">
+        <p14:creationId xmlns:p14="http://schemas.microsoft.com/office/powerpoint/2010/main" val="1898851473"/>
+      </p:ext>
+    </p:extLst>
+  </p:cSld>
+  <p:clrMapOvr>
+    <a:masterClrMapping/>
+  </p:clrMapOvr>
+  <p:timing>
+    <p:tnLst>
+      <p:par>
+        <p:cTn id="1" dur="indefinite" restart="never" nodeType="tmRoot"/>
+      </p:par>
+    </p:tnLst>
+  </p:timing>
+</p:sld>
+</file>
+
+<file path=ppt/slides/slide14.xml><?xml version="1.0" encoding="utf-8"?>
+<p:sld xmlns:a="http://schemas.openxmlformats.org/drawingml/2006/main" xmlns:r="http://schemas.openxmlformats.org/officeDocument/2006/relationships" xmlns:p="http://schemas.openxmlformats.org/presentationml/2006/main">
+  <p:cSld>
+    <p:spTree>
+      <p:nvGrpSpPr>
+        <p:cNvPr id="1" name=""/>
+        <p:cNvGrpSpPr/>
+        <p:nvPr/>
+      </p:nvGrpSpPr>
+      <p:grpSpPr>
+        <a:xfrm>
+          <a:off x="0" y="0"/>
+          <a:ext cx="0" cy="0"/>
+          <a:chOff x="0" y="0"/>
+          <a:chExt cx="0" cy="0"/>
+        </a:xfrm>
+      </p:grpSpPr>
+      <p:sp>
+        <p:nvSpPr>
+          <p:cNvPr id="5" name="內容版面配置區 4"/>
+          <p:cNvSpPr>
+            <a:spLocks noGrp="1"/>
+          </p:cNvSpPr>
+          <p:nvPr>
+            <p:ph idx="1"/>
+          </p:nvPr>
+        </p:nvSpPr>
+        <p:spPr>
+          <a:xfrm>
+            <a:off x="0" y="2084851"/>
+            <a:ext cx="12192000" cy="2404863"/>
+          </a:xfrm>
+        </p:spPr>
+        <p:txBody>
+          <a:bodyPr anchor="ctr">
+            <a:normAutofit/>
+          </a:bodyPr>
+          <a:lstStyle/>
+          <a:p>
+            <a:pPr marL="0" indent="0" algn="ctr">
+              <a:buNone/>
+            </a:pPr>
+            <a:r>
+              <a:rPr lang="zh-CN" altLang="en-US" sz="6400" b="1" dirty="0">
+                <a:solidFill>
+                  <a:srgbClr val="660033"/>
+                </a:solidFill>
+                <a:latin typeface="Microsoft JhengHei" panose="020B0604030504040204" pitchFamily="34" charset="-120"/>
+                <a:ea typeface="Microsoft JhengHei" panose="020B0604030504040204" pitchFamily="34" charset="-120"/>
+              </a:rPr>
+              <a:t>我要耶穌  我要耶穌</a:t>
+            </a:r>
+            <a:endParaRPr lang="en-US" altLang="zh-CN" sz="6400" b="1" dirty="0">
+              <a:solidFill>
+                <a:srgbClr val="660033"/>
+              </a:solidFill>
+              <a:latin typeface="Microsoft JhengHei" panose="020B0604030504040204" pitchFamily="34" charset="-120"/>
+              <a:ea typeface="Microsoft JhengHei" panose="020B0604030504040204" pitchFamily="34" charset="-120"/>
+            </a:endParaRPr>
+          </a:p>
+          <a:p>
+            <a:pPr marL="0" indent="0" algn="ctr">
+              <a:buNone/>
+            </a:pPr>
+            <a:r>
+              <a:rPr lang="zh-CN" altLang="en-US" sz="6400" b="1" dirty="0">
+                <a:solidFill>
+                  <a:srgbClr val="660033"/>
+                </a:solidFill>
+                <a:latin typeface="Microsoft JhengHei" panose="020B0604030504040204" pitchFamily="34" charset="-120"/>
+                <a:ea typeface="Microsoft JhengHei" panose="020B0604030504040204" pitchFamily="34" charset="-120"/>
+              </a:rPr>
+              <a:t>我每日需要耶穌</a:t>
+            </a:r>
+            <a:endParaRPr lang="en-US" altLang="zh-CN" sz="6400" b="1" dirty="0">
+              <a:solidFill>
+                <a:srgbClr val="660033"/>
+              </a:solidFill>
+              <a:latin typeface="Microsoft JhengHei" panose="020B0604030504040204" pitchFamily="34" charset="-120"/>
+              <a:ea typeface="Microsoft JhengHei" panose="020B0604030504040204" pitchFamily="34" charset="-120"/>
+            </a:endParaRPr>
+          </a:p>
+        </p:txBody>
+      </p:sp>
+    </p:spTree>
+    <p:extLst>
+      <p:ext uri="{BB962C8B-B14F-4D97-AF65-F5344CB8AC3E}">
+        <p14:creationId xmlns:p14="http://schemas.microsoft.com/office/powerpoint/2010/main" val="823870616"/>
+      </p:ext>
+    </p:extLst>
+  </p:cSld>
+  <p:clrMapOvr>
+    <a:masterClrMapping/>
+  </p:clrMapOvr>
+  <p:timing>
+    <p:tnLst>
+      <p:par>
+        <p:cTn id="1" dur="indefinite" restart="never" nodeType="tmRoot"/>
+      </p:par>
+    </p:tnLst>
+  </p:timing>
+</p:sld>
+</file>
+
+<file path=ppt/slides/slide15.xml><?xml version="1.0" encoding="utf-8"?>
+<p:sld xmlns:a="http://schemas.openxmlformats.org/drawingml/2006/main" xmlns:r="http://schemas.openxmlformats.org/officeDocument/2006/relationships" xmlns:p="http://schemas.openxmlformats.org/presentationml/2006/main">
+  <p:cSld>
+    <p:spTree>
+      <p:nvGrpSpPr>
+        <p:cNvPr id="1" name=""/>
+        <p:cNvGrpSpPr/>
+        <p:nvPr/>
+      </p:nvGrpSpPr>
+      <p:grpSpPr>
+        <a:xfrm>
+          <a:off x="0" y="0"/>
+          <a:ext cx="0" cy="0"/>
+          <a:chOff x="0" y="0"/>
+          <a:chExt cx="0" cy="0"/>
+        </a:xfrm>
+      </p:grpSpPr>
+      <p:sp>
+        <p:nvSpPr>
+          <p:cNvPr id="5" name="內容版面配置區 4"/>
+          <p:cNvSpPr>
+            <a:spLocks noGrp="1"/>
+          </p:cNvSpPr>
+          <p:nvPr>
+            <p:ph idx="1"/>
+          </p:nvPr>
+        </p:nvSpPr>
+        <p:spPr>
+          <a:xfrm>
+            <a:off x="0" y="2084851"/>
+            <a:ext cx="12192000" cy="2404863"/>
+          </a:xfrm>
+        </p:spPr>
+        <p:txBody>
+          <a:bodyPr anchor="ctr">
+            <a:normAutofit/>
+          </a:bodyPr>
+          <a:lstStyle/>
+          <a:p>
+            <a:pPr marL="0" indent="0" algn="ctr">
+              <a:buNone/>
+            </a:pPr>
+            <a:r>
+              <a:rPr lang="zh-CN" altLang="en-US" sz="6400" b="1" dirty="0">
+                <a:solidFill>
+                  <a:srgbClr val="660033"/>
+                </a:solidFill>
+                <a:latin typeface="Microsoft JhengHei" panose="020B0604030504040204" pitchFamily="34" charset="-120"/>
+                <a:ea typeface="Microsoft JhengHei" panose="020B0604030504040204" pitchFamily="34" charset="-120"/>
+              </a:rPr>
+              <a:t>光明時日我要祂  </a:t>
+            </a:r>
+            <a:endParaRPr lang="en-US" altLang="zh-CN" sz="6400" b="1" dirty="0">
+              <a:solidFill>
+                <a:srgbClr val="660033"/>
+              </a:solidFill>
+              <a:latin typeface="Microsoft JhengHei" panose="020B0604030504040204" pitchFamily="34" charset="-120"/>
+              <a:ea typeface="Microsoft JhengHei" panose="020B0604030504040204" pitchFamily="34" charset="-120"/>
+            </a:endParaRPr>
+          </a:p>
+          <a:p>
+            <a:pPr marL="0" indent="0" algn="ctr">
+              <a:buNone/>
+            </a:pPr>
+            <a:r>
+              <a:rPr lang="zh-CN" altLang="en-US" sz="6400" b="1" dirty="0">
+                <a:solidFill>
+                  <a:srgbClr val="660033"/>
+                </a:solidFill>
+                <a:latin typeface="Microsoft JhengHei" panose="020B0604030504040204" pitchFamily="34" charset="-120"/>
+                <a:ea typeface="Microsoft JhengHei" panose="020B0604030504040204" pitchFamily="34" charset="-120"/>
+              </a:rPr>
+              <a:t>黑雲滿佈我要祂</a:t>
+            </a:r>
+            <a:endParaRPr lang="en-US" altLang="zh-CN" sz="6400" b="1" dirty="0">
+              <a:solidFill>
+                <a:srgbClr val="660033"/>
+              </a:solidFill>
+              <a:latin typeface="Microsoft JhengHei" panose="020B0604030504040204" pitchFamily="34" charset="-120"/>
+              <a:ea typeface="Microsoft JhengHei" panose="020B0604030504040204" pitchFamily="34" charset="-120"/>
+            </a:endParaRPr>
+          </a:p>
+        </p:txBody>
+      </p:sp>
+    </p:spTree>
+    <p:extLst>
+      <p:ext uri="{BB962C8B-B14F-4D97-AF65-F5344CB8AC3E}">
+        <p14:creationId xmlns:p14="http://schemas.microsoft.com/office/powerpoint/2010/main" val="1708129865"/>
+      </p:ext>
+    </p:extLst>
+  </p:cSld>
+  <p:clrMapOvr>
+    <a:masterClrMapping/>
+  </p:clrMapOvr>
+  <p:timing>
+    <p:tnLst>
+      <p:par>
+        <p:cTn id="1" dur="indefinite" restart="never" nodeType="tmRoot"/>
+      </p:par>
+    </p:tnLst>
+  </p:timing>
+</p:sld>
+</file>
+
+<file path=ppt/slides/slide16.xml><?xml version="1.0" encoding="utf-8"?>
+<p:sld xmlns:a="http://schemas.openxmlformats.org/drawingml/2006/main" xmlns:r="http://schemas.openxmlformats.org/officeDocument/2006/relationships" xmlns:p="http://schemas.openxmlformats.org/presentationml/2006/main">
+  <p:cSld>
+    <p:spTree>
+      <p:nvGrpSpPr>
+        <p:cNvPr id="1" name=""/>
+        <p:cNvGrpSpPr/>
+        <p:nvPr/>
+      </p:nvGrpSpPr>
+      <p:grpSpPr>
+        <a:xfrm>
+          <a:off x="0" y="0"/>
+          <a:ext cx="0" cy="0"/>
+          <a:chOff x="0" y="0"/>
+          <a:chExt cx="0" cy="0"/>
+        </a:xfrm>
+      </p:grpSpPr>
+      <p:sp>
+        <p:nvSpPr>
+          <p:cNvPr id="5" name="內容版面配置區 4"/>
+          <p:cNvSpPr>
+            <a:spLocks noGrp="1"/>
+          </p:cNvSpPr>
+          <p:nvPr>
+            <p:ph idx="1"/>
+          </p:nvPr>
+        </p:nvSpPr>
+        <p:spPr>
+          <a:xfrm>
+            <a:off x="0" y="2084851"/>
+            <a:ext cx="12192000" cy="2404863"/>
+          </a:xfrm>
+        </p:spPr>
+        <p:txBody>
+          <a:bodyPr anchor="ctr">
+            <a:normAutofit/>
+          </a:bodyPr>
+          <a:lstStyle/>
+          <a:p>
+            <a:pPr marL="0" indent="0" algn="ctr">
+              <a:buNone/>
+            </a:pPr>
+            <a:r>
+              <a:rPr lang="zh-CN" altLang="en-US" sz="6400" b="1" dirty="0">
+                <a:solidFill>
+                  <a:srgbClr val="660033"/>
+                </a:solidFill>
+                <a:latin typeface="Microsoft JhengHei" panose="020B0604030504040204" pitchFamily="34" charset="-120"/>
+                <a:ea typeface="Microsoft JhengHei" panose="020B0604030504040204" pitchFamily="34" charset="-120"/>
+              </a:rPr>
+              <a:t>每日在我生命中  </a:t>
+            </a:r>
+            <a:endParaRPr lang="en-US" altLang="zh-CN" sz="6400" b="1" dirty="0">
+              <a:solidFill>
+                <a:srgbClr val="660033"/>
+              </a:solidFill>
+              <a:latin typeface="Microsoft JhengHei" panose="020B0604030504040204" pitchFamily="34" charset="-120"/>
+              <a:ea typeface="Microsoft JhengHei" panose="020B0604030504040204" pitchFamily="34" charset="-120"/>
+            </a:endParaRPr>
+          </a:p>
+          <a:p>
+            <a:pPr marL="0" indent="0" algn="ctr">
+              <a:buNone/>
+            </a:pPr>
+            <a:r>
+              <a:rPr lang="zh-CN" altLang="en-US" sz="6400" b="1" dirty="0">
+                <a:solidFill>
+                  <a:srgbClr val="660033"/>
+                </a:solidFill>
+                <a:latin typeface="Microsoft JhengHei" panose="020B0604030504040204" pitchFamily="34" charset="-120"/>
+                <a:ea typeface="Microsoft JhengHei" panose="020B0604030504040204" pitchFamily="34" charset="-120"/>
+              </a:rPr>
+              <a:t>我要耶穌</a:t>
+            </a:r>
+            <a:endParaRPr lang="en-US" altLang="zh-CN" sz="6400" b="1" dirty="0">
+              <a:solidFill>
+                <a:srgbClr val="660033"/>
+              </a:solidFill>
+              <a:latin typeface="Microsoft JhengHei" panose="020B0604030504040204" pitchFamily="34" charset="-120"/>
+              <a:ea typeface="Microsoft JhengHei" panose="020B0604030504040204" pitchFamily="34" charset="-120"/>
+            </a:endParaRPr>
+          </a:p>
+        </p:txBody>
+      </p:sp>
+    </p:spTree>
+    <p:extLst>
+      <p:ext uri="{BB962C8B-B14F-4D97-AF65-F5344CB8AC3E}">
+        <p14:creationId xmlns:p14="http://schemas.microsoft.com/office/powerpoint/2010/main" val="2779637785"/>
+      </p:ext>
+    </p:extLst>
+  </p:cSld>
+  <p:clrMapOvr>
+    <a:masterClrMapping/>
+  </p:clrMapOvr>
+  <p:timing>
+    <p:tnLst>
+      <p:par>
+        <p:cTn id="1" dur="indefinite" restart="never" nodeType="tmRoot"/>
+      </p:par>
+    </p:tnLst>
+  </p:timing>
 </p:sld>
 </file>
 
@@ -3297,147 +4126,106 @@
       </p:grpSpPr>
       <p:sp>
         <p:nvSpPr>
-          <p:cNvPr id="2" name="Title 1"/>
-          <p:cNvSpPr>
-            <a:spLocks noGrp="1"/>
-          </p:cNvSpPr>
-          <p:nvPr>
-            <p:ph type="title"/>
-          </p:nvPr>
-        </p:nvSpPr>
-        <p:spPr/>
-        <p:txBody>
-          <a:bodyPr>
+          <p:cNvPr id="5" name="內容版面配置區 4"/>
+          <p:cNvSpPr>
+            <a:spLocks noGrp="1"/>
+          </p:cNvSpPr>
+          <p:nvPr>
+            <p:ph idx="1"/>
+          </p:nvPr>
+        </p:nvSpPr>
+        <p:spPr>
+          <a:xfrm>
+            <a:off x="0" y="2084851"/>
+            <a:ext cx="12192000" cy="2404863"/>
+          </a:xfrm>
+        </p:spPr>
+        <p:txBody>
+          <a:bodyPr anchor="ctr">
             <a:normAutofit/>
           </a:bodyPr>
           <a:lstStyle/>
           <a:p>
-            <a:r>
-              <a:rPr lang="zh-CN" altLang="en-US" sz="4800" b="1" dirty="0" smtClean="0">
+            <a:pPr marL="0" indent="0" algn="ctr">
+              <a:buNone/>
+            </a:pPr>
+            <a:r>
+              <a:rPr lang="zh-CN" altLang="en-US" sz="6400" b="1" dirty="0">
+                <a:solidFill>
+                  <a:srgbClr val="660033"/>
+                </a:solidFill>
                 <a:latin typeface="Microsoft JhengHei" panose="020B0604030504040204" pitchFamily="34" charset="-120"/>
                 <a:ea typeface="Microsoft JhengHei" panose="020B0604030504040204" pitchFamily="34" charset="-120"/>
               </a:rPr>
-              <a:t>我要耶穌</a:t>
-            </a:r>
-            <a:endParaRPr lang="vi-VN" sz="4800" b="1" dirty="0">
+              <a:t>我深知道  我真需要耶穌</a:t>
+            </a:r>
+            <a:endParaRPr lang="en-US" altLang="zh-CN" sz="6400" b="1" dirty="0">
+              <a:solidFill>
+                <a:srgbClr val="660033"/>
+              </a:solidFill>
+              <a:latin typeface="Microsoft JhengHei" panose="020B0604030504040204" pitchFamily="34" charset="-120"/>
               <a:ea typeface="Microsoft JhengHei" panose="020B0604030504040204" pitchFamily="34" charset="-120"/>
             </a:endParaRPr>
           </a:p>
-        </p:txBody>
-      </p:sp>
-      <p:sp>
-        <p:nvSpPr>
-          <p:cNvPr id="3" name="Content Placeholder 2"/>
-          <p:cNvSpPr>
-            <a:spLocks noGrp="1"/>
-          </p:cNvSpPr>
-          <p:nvPr>
-            <p:ph idx="1"/>
-          </p:nvPr>
-        </p:nvSpPr>
-        <p:spPr/>
-        <p:txBody>
-          <a:bodyPr>
-            <a:normAutofit/>
-          </a:bodyPr>
-          <a:lstStyle/>
           <a:p>
             <a:pPr marL="0" indent="0" algn="ctr">
               <a:buNone/>
             </a:pPr>
             <a:r>
-              <a:rPr lang="zh-CN" altLang="en-US" sz="5400" b="1" dirty="0" smtClean="0">
+              <a:rPr lang="zh-CN" altLang="en-US" sz="6400" b="1" dirty="0">
+                <a:solidFill>
+                  <a:srgbClr val="660033"/>
+                </a:solidFill>
                 <a:latin typeface="Microsoft JhengHei" panose="020B0604030504040204" pitchFamily="34" charset="-120"/>
                 <a:ea typeface="Microsoft JhengHei" panose="020B0604030504040204" pitchFamily="34" charset="-120"/>
               </a:rPr>
-              <a:t>我要耶穌  我</a:t>
-            </a:r>
-            <a:r>
-              <a:rPr lang="zh-CN" altLang="en-US" sz="5400" b="1" dirty="0">
-                <a:latin typeface="Microsoft JhengHei" panose="020B0604030504040204" pitchFamily="34" charset="-120"/>
-                <a:ea typeface="Microsoft JhengHei" panose="020B0604030504040204" pitchFamily="34" charset="-120"/>
-              </a:rPr>
-              <a:t>要耶</a:t>
-            </a:r>
-            <a:r>
-              <a:rPr lang="zh-CN" altLang="en-US" sz="5400" b="1" dirty="0" smtClean="0">
-                <a:latin typeface="Microsoft JhengHei" panose="020B0604030504040204" pitchFamily="34" charset="-120"/>
-                <a:ea typeface="Microsoft JhengHei" panose="020B0604030504040204" pitchFamily="34" charset="-120"/>
-              </a:rPr>
-              <a:t>穌</a:t>
-            </a:r>
-            <a:endParaRPr lang="en-US" altLang="zh-CN" sz="5400" b="1" dirty="0" smtClean="0">
+              <a:t>在憂愁時  無他朋友像主</a:t>
+            </a:r>
+            <a:endParaRPr lang="en-US" altLang="zh-CN" sz="6400" b="1" dirty="0">
+              <a:solidFill>
+                <a:srgbClr val="660033"/>
+              </a:solidFill>
               <a:latin typeface="Microsoft JhengHei" panose="020B0604030504040204" pitchFamily="34" charset="-120"/>
               <a:ea typeface="Microsoft JhengHei" panose="020B0604030504040204" pitchFamily="34" charset="-120"/>
             </a:endParaRPr>
           </a:p>
-          <a:p>
-            <a:pPr marL="0" indent="0" algn="ctr">
-              <a:buNone/>
-            </a:pPr>
-            <a:r>
-              <a:rPr lang="zh-CN" altLang="en-US" sz="5400" b="1" dirty="0">
-                <a:latin typeface="Microsoft JhengHei" panose="020B0604030504040204" pitchFamily="34" charset="-120"/>
-                <a:ea typeface="Microsoft JhengHei" panose="020B0604030504040204" pitchFamily="34" charset="-120"/>
+        </p:txBody>
+      </p:sp>
+      <p:sp>
+        <p:nvSpPr>
+          <p:cNvPr id="3" name="TextBox 2"/>
+          <p:cNvSpPr txBox="1"/>
+          <p:nvPr/>
+        </p:nvSpPr>
+        <p:spPr>
+          <a:xfrm>
+            <a:off x="0" y="5445224"/>
+            <a:ext cx="12192000" cy="748988"/>
+          </a:xfrm>
+          <a:prstGeom prst="rect">
+            <a:avLst/>
+          </a:prstGeom>
+          <a:noFill/>
+        </p:spPr>
+        <p:txBody>
+          <a:bodyPr wrap="square" rtlCol="0">
+            <a:spAutoFit/>
+          </a:bodyPr>
+          <a:lstStyle/>
+          <a:p>
+            <a:pPr algn="ctr"/>
+            <a:r>
+              <a:rPr lang="en-US" sz="4267" b="1" dirty="0">
+                <a:solidFill>
+                  <a:srgbClr val="660033"/>
+                </a:solidFill>
               </a:rPr>
-              <a:t>我每</a:t>
-            </a:r>
-            <a:r>
-              <a:rPr lang="zh-CN" altLang="en-US" sz="5400" b="1" dirty="0" smtClean="0">
-                <a:latin typeface="Microsoft JhengHei" panose="020B0604030504040204" pitchFamily="34" charset="-120"/>
-                <a:ea typeface="Microsoft JhengHei" panose="020B0604030504040204" pitchFamily="34" charset="-120"/>
-              </a:rPr>
-              <a:t>日需要耶穌</a:t>
-            </a:r>
-            <a:endParaRPr lang="en-US" altLang="zh-CN" sz="5400" b="1" dirty="0" smtClean="0">
-              <a:latin typeface="Microsoft JhengHei" panose="020B0604030504040204" pitchFamily="34" charset="-120"/>
-              <a:ea typeface="Microsoft JhengHei" panose="020B0604030504040204" pitchFamily="34" charset="-120"/>
-            </a:endParaRPr>
-          </a:p>
-          <a:p>
-            <a:pPr marL="0" indent="0" algn="ctr">
-              <a:buNone/>
-            </a:pPr>
-            <a:r>
-              <a:rPr lang="zh-CN" altLang="en-US" sz="5400" b="1" dirty="0">
-                <a:latin typeface="Microsoft JhengHei" panose="020B0604030504040204" pitchFamily="34" charset="-120"/>
-                <a:ea typeface="Microsoft JhengHei" panose="020B0604030504040204" pitchFamily="34" charset="-120"/>
-              </a:rPr>
-              <a:t>光</a:t>
-            </a:r>
-            <a:r>
-              <a:rPr lang="zh-CN" altLang="en-US" sz="5400" b="1" dirty="0" smtClean="0">
-                <a:latin typeface="Microsoft JhengHei" panose="020B0604030504040204" pitchFamily="34" charset="-120"/>
-                <a:ea typeface="Microsoft JhengHei" panose="020B0604030504040204" pitchFamily="34" charset="-120"/>
-              </a:rPr>
-              <a:t>明時日我要他  黑雲滿佈我要他</a:t>
-            </a:r>
-            <a:endParaRPr lang="en-US" altLang="zh-CN" sz="5400" b="1" dirty="0" smtClean="0">
-              <a:latin typeface="Microsoft JhengHei" panose="020B0604030504040204" pitchFamily="34" charset="-120"/>
-              <a:ea typeface="Microsoft JhengHei" panose="020B0604030504040204" pitchFamily="34" charset="-120"/>
-            </a:endParaRPr>
-          </a:p>
-          <a:p>
-            <a:pPr marL="0" indent="0" algn="ctr">
-              <a:buNone/>
-            </a:pPr>
-            <a:r>
-              <a:rPr lang="zh-CN" altLang="en-US" sz="5400" b="1" dirty="0">
-                <a:latin typeface="Microsoft JhengHei" panose="020B0604030504040204" pitchFamily="34" charset="-120"/>
-                <a:ea typeface="Microsoft JhengHei" panose="020B0604030504040204" pitchFamily="34" charset="-120"/>
-              </a:rPr>
-              <a:t>每日在我生命</a:t>
-            </a:r>
-            <a:r>
-              <a:rPr lang="zh-CN" altLang="en-US" sz="5400" b="1" dirty="0" smtClean="0">
-                <a:latin typeface="Microsoft JhengHei" panose="020B0604030504040204" pitchFamily="34" charset="-120"/>
-                <a:ea typeface="Microsoft JhengHei" panose="020B0604030504040204" pitchFamily="34" charset="-120"/>
-              </a:rPr>
-              <a:t>中  我要耶穌</a:t>
-            </a:r>
-            <a:endParaRPr lang="en-US" altLang="zh-CN" sz="5400" b="1" dirty="0" smtClean="0">
-              <a:latin typeface="Microsoft JhengHei" panose="020B0604030504040204" pitchFamily="34" charset="-120"/>
-              <a:ea typeface="Microsoft JhengHei" panose="020B0604030504040204" pitchFamily="34" charset="-120"/>
+              <a:t>( 1 )</a:t>
+            </a:r>
+            <a:endParaRPr lang="vi-VN" sz="4267" b="1" dirty="0">
+              <a:solidFill>
+                <a:srgbClr val="660033"/>
+              </a:solidFill>
             </a:endParaRPr>
           </a:p>
         </p:txBody>
@@ -3445,13 +4233,20 @@
     </p:spTree>
     <p:extLst>
       <p:ext uri="{BB962C8B-B14F-4D97-AF65-F5344CB8AC3E}">
-        <p14:creationId xmlns:p14="http://schemas.microsoft.com/office/powerpoint/2010/main" val="3021496727"/>
+        <p14:creationId xmlns:p14="http://schemas.microsoft.com/office/powerpoint/2010/main" val="1437260504"/>
       </p:ext>
     </p:extLst>
   </p:cSld>
   <p:clrMapOvr>
     <a:masterClrMapping/>
   </p:clrMapOvr>
+  <p:timing>
+    <p:tnLst>
+      <p:par>
+        <p:cTn id="1" dur="indefinite" restart="never" nodeType="tmRoot"/>
+      </p:par>
+    </p:tnLst>
+  </p:timing>
 </p:sld>
 </file>
 
@@ -3474,126 +4269,81 @@
       </p:grpSpPr>
       <p:sp>
         <p:nvSpPr>
-          <p:cNvPr id="2" name="Title 1"/>
-          <p:cNvSpPr>
-            <a:spLocks noGrp="1"/>
-          </p:cNvSpPr>
-          <p:nvPr>
-            <p:ph type="title"/>
-          </p:nvPr>
-        </p:nvSpPr>
-        <p:spPr/>
-        <p:txBody>
-          <a:bodyPr>
+          <p:cNvPr id="5" name="內容版面配置區 4"/>
+          <p:cNvSpPr>
+            <a:spLocks noGrp="1"/>
+          </p:cNvSpPr>
+          <p:nvPr>
+            <p:ph idx="1"/>
+          </p:nvPr>
+        </p:nvSpPr>
+        <p:spPr>
+          <a:xfrm>
+            <a:off x="0" y="2084851"/>
+            <a:ext cx="12192000" cy="2404863"/>
+          </a:xfrm>
+        </p:spPr>
+        <p:txBody>
+          <a:bodyPr anchor="ctr">
             <a:normAutofit/>
           </a:bodyPr>
           <a:lstStyle/>
           <a:p>
-            <a:r>
-              <a:rPr lang="zh-CN" altLang="en-US" sz="4800" b="1" dirty="0" smtClean="0">
+            <a:pPr marL="0" indent="0" algn="ctr">
+              <a:buNone/>
+            </a:pPr>
+            <a:r>
+              <a:rPr lang="zh-CN" altLang="en-US" sz="6400" b="1" dirty="0">
+                <a:solidFill>
+                  <a:srgbClr val="660033"/>
+                </a:solidFill>
                 <a:latin typeface="Microsoft JhengHei" panose="020B0604030504040204" pitchFamily="34" charset="-120"/>
                 <a:ea typeface="Microsoft JhengHei" panose="020B0604030504040204" pitchFamily="34" charset="-120"/>
               </a:rPr>
-              <a:t>我要耶穌</a:t>
-            </a:r>
-            <a:endParaRPr lang="vi-VN" sz="4800" b="1" dirty="0">
+              <a:t>我今歡樂  因得所需耶穌</a:t>
+            </a:r>
+            <a:endParaRPr lang="en-US" altLang="zh-CN" sz="6400" b="1" dirty="0">
+              <a:solidFill>
+                <a:srgbClr val="660033"/>
+              </a:solidFill>
+              <a:latin typeface="Microsoft JhengHei" panose="020B0604030504040204" pitchFamily="34" charset="-120"/>
               <a:ea typeface="Microsoft JhengHei" panose="020B0604030504040204" pitchFamily="34" charset="-120"/>
             </a:endParaRPr>
           </a:p>
-        </p:txBody>
-      </p:sp>
-      <p:sp>
-        <p:nvSpPr>
-          <p:cNvPr id="3" name="Content Placeholder 2"/>
-          <p:cNvSpPr>
-            <a:spLocks noGrp="1"/>
-          </p:cNvSpPr>
-          <p:nvPr>
-            <p:ph idx="1"/>
-          </p:nvPr>
-        </p:nvSpPr>
-        <p:spPr/>
-        <p:txBody>
-          <a:bodyPr>
-            <a:normAutofit/>
-          </a:bodyPr>
-          <a:lstStyle/>
           <a:p>
             <a:pPr marL="0" indent="0" algn="ctr">
               <a:buNone/>
             </a:pPr>
             <a:r>
-              <a:rPr lang="zh-CN" altLang="en-US" sz="5400" b="1" dirty="0" smtClean="0">
+              <a:rPr lang="zh-CN" altLang="en-US" sz="6400" b="1" dirty="0">
+                <a:solidFill>
+                  <a:srgbClr val="660033"/>
+                </a:solidFill>
                 <a:latin typeface="Microsoft JhengHei" panose="020B0604030504040204" pitchFamily="34" charset="-120"/>
                 <a:ea typeface="Microsoft JhengHei" panose="020B0604030504040204" pitchFamily="34" charset="-120"/>
               </a:rPr>
-              <a:t>我需一友有力量像耶穌</a:t>
-            </a:r>
-            <a:endParaRPr lang="en-US" altLang="zh-CN" sz="5400" b="1" dirty="0" smtClean="0">
+              <a:t>雖有人負自己重擔  惟我要耶穌</a:t>
+            </a:r>
+            <a:endParaRPr lang="en-US" altLang="zh-CN" sz="6400" b="1" dirty="0">
+              <a:solidFill>
+                <a:srgbClr val="660033"/>
+              </a:solidFill>
               <a:latin typeface="Microsoft JhengHei" panose="020B0604030504040204" pitchFamily="34" charset="-120"/>
               <a:ea typeface="Microsoft JhengHei" panose="020B0604030504040204" pitchFamily="34" charset="-120"/>
             </a:endParaRPr>
           </a:p>
-          <a:p>
-            <a:pPr marL="0" indent="0" algn="ctr">
-              <a:buNone/>
-            </a:pPr>
-            <a:r>
-              <a:rPr lang="zh-CN" altLang="en-US" sz="5400" b="1" dirty="0" smtClean="0">
-                <a:latin typeface="Microsoft JhengHei" panose="020B0604030504040204" pitchFamily="34" charset="-120"/>
-                <a:ea typeface="Microsoft JhengHei" panose="020B0604030504040204" pitchFamily="34" charset="-120"/>
-              </a:rPr>
-              <a:t>在幽暗中主必引導保護</a:t>
-            </a:r>
-            <a:endParaRPr lang="en-US" altLang="zh-CN" sz="5400" b="1" dirty="0" smtClean="0">
-              <a:latin typeface="Microsoft JhengHei" panose="020B0604030504040204" pitchFamily="34" charset="-120"/>
-              <a:ea typeface="Microsoft JhengHei" panose="020B0604030504040204" pitchFamily="34" charset="-120"/>
-            </a:endParaRPr>
-          </a:p>
-          <a:p>
-            <a:pPr marL="0" indent="0" algn="ctr">
-              <a:buNone/>
-            </a:pPr>
-            <a:r>
-              <a:rPr lang="zh-CN" altLang="en-US" sz="5400" b="1" dirty="0" smtClean="0">
-                <a:latin typeface="Microsoft JhengHei" panose="020B0604030504040204" pitchFamily="34" charset="-120"/>
-                <a:ea typeface="Microsoft JhengHei" panose="020B0604030504040204" pitchFamily="34" charset="-120"/>
-              </a:rPr>
-              <a:t>靈慾相攻惟獨需要耶穌</a:t>
-            </a:r>
-            <a:endParaRPr lang="en-US" altLang="zh-CN" sz="5400" b="1" dirty="0" smtClean="0">
-              <a:latin typeface="Microsoft JhengHei" panose="020B0604030504040204" pitchFamily="34" charset="-120"/>
-              <a:ea typeface="Microsoft JhengHei" panose="020B0604030504040204" pitchFamily="34" charset="-120"/>
-            </a:endParaRPr>
-          </a:p>
-          <a:p>
-            <a:pPr marL="0" indent="0" algn="ctr">
-              <a:buNone/>
-            </a:pPr>
-            <a:r>
-              <a:rPr lang="zh-CN" altLang="en-US" sz="5400" b="1" dirty="0" smtClean="0">
-                <a:latin typeface="Microsoft JhengHei" panose="020B0604030504040204" pitchFamily="34" charset="-120"/>
-                <a:ea typeface="Microsoft JhengHei" panose="020B0604030504040204" pitchFamily="34" charset="-120"/>
-              </a:rPr>
-              <a:t>靠己我知必定失敗  故我要耶穌</a:t>
-            </a:r>
-            <a:endParaRPr lang="en-US" altLang="zh-CN" sz="5400" b="1" dirty="0" smtClean="0">
-              <a:latin typeface="Microsoft JhengHei" panose="020B0604030504040204" pitchFamily="34" charset="-120"/>
-              <a:ea typeface="Microsoft JhengHei" panose="020B0604030504040204" pitchFamily="34" charset="-120"/>
-            </a:endParaRPr>
-          </a:p>
-        </p:txBody>
-      </p:sp>
-      <p:sp>
-        <p:nvSpPr>
-          <p:cNvPr id="4" name="TextBox 3"/>
+        </p:txBody>
+      </p:sp>
+      <p:sp>
+        <p:nvSpPr>
+          <p:cNvPr id="3" name="TextBox 2"/>
           <p:cNvSpPr txBox="1"/>
           <p:nvPr/>
         </p:nvSpPr>
         <p:spPr>
           <a:xfrm>
-            <a:off x="609600" y="1661824"/>
-            <a:ext cx="1020417" cy="923330"/>
+            <a:off x="0" y="5445224"/>
+            <a:ext cx="12192000" cy="748988"/>
           </a:xfrm>
           <a:prstGeom prst="rect">
             <a:avLst/>
@@ -3606,28 +4356,40 @@
           </a:bodyPr>
           <a:lstStyle/>
           <a:p>
-            <a:r>
-              <a:rPr lang="en-US" sz="5400" b="1" dirty="0"/>
-              <a:t>2</a:t>
-            </a:r>
-            <a:r>
-              <a:rPr lang="en-US" sz="5400" b="1" dirty="0" smtClean="0"/>
-              <a:t>.</a:t>
-            </a:r>
-            <a:endParaRPr lang="vi-VN" sz="5400" b="1" dirty="0"/>
+            <a:pPr algn="ctr"/>
+            <a:r>
+              <a:rPr lang="en-US" sz="4267" b="1" dirty="0">
+                <a:solidFill>
+                  <a:srgbClr val="660033"/>
+                </a:solidFill>
+              </a:rPr>
+              <a:t>( 1 )</a:t>
+            </a:r>
+            <a:endParaRPr lang="vi-VN" sz="4267" b="1" dirty="0">
+              <a:solidFill>
+                <a:srgbClr val="660033"/>
+              </a:solidFill>
+            </a:endParaRPr>
           </a:p>
         </p:txBody>
       </p:sp>
     </p:spTree>
     <p:extLst>
       <p:ext uri="{BB962C8B-B14F-4D97-AF65-F5344CB8AC3E}">
-        <p14:creationId xmlns:p14="http://schemas.microsoft.com/office/powerpoint/2010/main" val="3092050481"/>
+        <p14:creationId xmlns:p14="http://schemas.microsoft.com/office/powerpoint/2010/main" val="2787873497"/>
       </p:ext>
     </p:extLst>
   </p:cSld>
   <p:clrMapOvr>
     <a:masterClrMapping/>
   </p:clrMapOvr>
+  <p:timing>
+    <p:tnLst>
+      <p:par>
+        <p:cTn id="1" dur="indefinite" restart="never" nodeType="tmRoot"/>
+      </p:par>
+    </p:tnLst>
+  </p:timing>
 </p:sld>
 </file>
 
@@ -3650,161 +4412,88 @@
       </p:grpSpPr>
       <p:sp>
         <p:nvSpPr>
-          <p:cNvPr id="2" name="Title 1"/>
-          <p:cNvSpPr>
-            <a:spLocks noGrp="1"/>
-          </p:cNvSpPr>
-          <p:nvPr>
-            <p:ph type="title"/>
-          </p:nvPr>
-        </p:nvSpPr>
-        <p:spPr/>
-        <p:txBody>
-          <a:bodyPr>
+          <p:cNvPr id="5" name="內容版面配置區 4"/>
+          <p:cNvSpPr>
+            <a:spLocks noGrp="1"/>
+          </p:cNvSpPr>
+          <p:nvPr>
+            <p:ph idx="1"/>
+          </p:nvPr>
+        </p:nvSpPr>
+        <p:spPr>
+          <a:xfrm>
+            <a:off x="0" y="2084851"/>
+            <a:ext cx="12192000" cy="2404863"/>
+          </a:xfrm>
+        </p:spPr>
+        <p:txBody>
+          <a:bodyPr anchor="ctr">
             <a:normAutofit/>
           </a:bodyPr>
           <a:lstStyle/>
           <a:p>
-            <a:r>
-              <a:rPr lang="zh-CN" altLang="en-US" sz="4800" b="1" dirty="0" smtClean="0">
+            <a:pPr marL="0" indent="0" algn="ctr">
+              <a:buNone/>
+            </a:pPr>
+            <a:r>
+              <a:rPr lang="zh-CN" altLang="en-US" sz="6400" b="1" dirty="0">
+                <a:solidFill>
+                  <a:srgbClr val="660033"/>
+                </a:solidFill>
                 <a:latin typeface="Microsoft JhengHei" panose="020B0604030504040204" pitchFamily="34" charset="-120"/>
                 <a:ea typeface="Microsoft JhengHei" panose="020B0604030504040204" pitchFamily="34" charset="-120"/>
               </a:rPr>
-              <a:t>我要耶穌</a:t>
-            </a:r>
-            <a:endParaRPr lang="vi-VN" sz="4800" b="1" dirty="0">
+              <a:t>我要耶穌  我要耶穌</a:t>
+            </a:r>
+            <a:endParaRPr lang="en-US" altLang="zh-CN" sz="6400" b="1" dirty="0">
+              <a:solidFill>
+                <a:srgbClr val="660033"/>
+              </a:solidFill>
+              <a:latin typeface="Microsoft JhengHei" panose="020B0604030504040204" pitchFamily="34" charset="-120"/>
               <a:ea typeface="Microsoft JhengHei" panose="020B0604030504040204" pitchFamily="34" charset="-120"/>
             </a:endParaRPr>
           </a:p>
-        </p:txBody>
-      </p:sp>
-      <p:sp>
-        <p:nvSpPr>
-          <p:cNvPr id="3" name="Content Placeholder 2"/>
-          <p:cNvSpPr>
-            <a:spLocks noGrp="1"/>
-          </p:cNvSpPr>
-          <p:nvPr>
-            <p:ph idx="1"/>
-          </p:nvPr>
-        </p:nvSpPr>
-        <p:spPr/>
-        <p:txBody>
-          <a:bodyPr>
-            <a:normAutofit/>
-          </a:bodyPr>
-          <a:lstStyle/>
           <a:p>
             <a:pPr marL="0" indent="0" algn="ctr">
               <a:buNone/>
             </a:pPr>
             <a:r>
-              <a:rPr lang="zh-CN" altLang="en-US" sz="5400" b="1" dirty="0" smtClean="0">
+              <a:rPr lang="zh-CN" altLang="en-US" sz="6400" b="1" dirty="0">
+                <a:solidFill>
+                  <a:srgbClr val="660033"/>
+                </a:solidFill>
                 <a:latin typeface="Microsoft JhengHei" panose="020B0604030504040204" pitchFamily="34" charset="-120"/>
                 <a:ea typeface="Microsoft JhengHei" panose="020B0604030504040204" pitchFamily="34" charset="-120"/>
               </a:rPr>
-              <a:t>我要耶穌  我</a:t>
-            </a:r>
-            <a:r>
-              <a:rPr lang="zh-CN" altLang="en-US" sz="5400" b="1" dirty="0">
-                <a:latin typeface="Microsoft JhengHei" panose="020B0604030504040204" pitchFamily="34" charset="-120"/>
-                <a:ea typeface="Microsoft JhengHei" panose="020B0604030504040204" pitchFamily="34" charset="-120"/>
-              </a:rPr>
-              <a:t>要耶</a:t>
-            </a:r>
-            <a:r>
-              <a:rPr lang="zh-CN" altLang="en-US" sz="5400" b="1" dirty="0" smtClean="0">
-                <a:latin typeface="Microsoft JhengHei" panose="020B0604030504040204" pitchFamily="34" charset="-120"/>
-                <a:ea typeface="Microsoft JhengHei" panose="020B0604030504040204" pitchFamily="34" charset="-120"/>
-              </a:rPr>
-              <a:t>穌</a:t>
-            </a:r>
-            <a:endParaRPr lang="en-US" altLang="zh-CN" sz="5400" b="1" dirty="0" smtClean="0">
+              <a:t>我每日需要耶穌</a:t>
+            </a:r>
+            <a:endParaRPr lang="en-US" altLang="zh-CN" sz="6400" b="1" dirty="0">
+              <a:solidFill>
+                <a:srgbClr val="660033"/>
+              </a:solidFill>
               <a:latin typeface="Microsoft JhengHei" panose="020B0604030504040204" pitchFamily="34" charset="-120"/>
               <a:ea typeface="Microsoft JhengHei" panose="020B0604030504040204" pitchFamily="34" charset="-120"/>
             </a:endParaRPr>
           </a:p>
-          <a:p>
-            <a:pPr marL="0" indent="0" algn="ctr">
-              <a:buNone/>
-            </a:pPr>
-            <a:r>
-              <a:rPr lang="zh-CN" altLang="en-US" sz="5400" b="1" dirty="0">
-                <a:latin typeface="Microsoft JhengHei" panose="020B0604030504040204" pitchFamily="34" charset="-120"/>
-                <a:ea typeface="Microsoft JhengHei" panose="020B0604030504040204" pitchFamily="34" charset="-120"/>
-              </a:rPr>
-              <a:t>我每</a:t>
-            </a:r>
-            <a:r>
-              <a:rPr lang="zh-CN" altLang="en-US" sz="5400" b="1" dirty="0" smtClean="0">
-                <a:latin typeface="Microsoft JhengHei" panose="020B0604030504040204" pitchFamily="34" charset="-120"/>
-                <a:ea typeface="Microsoft JhengHei" panose="020B0604030504040204" pitchFamily="34" charset="-120"/>
-              </a:rPr>
-              <a:t>日需要耶穌</a:t>
-            </a:r>
-            <a:endParaRPr lang="en-US" altLang="zh-CN" sz="5400" b="1" dirty="0" smtClean="0">
-              <a:latin typeface="Microsoft JhengHei" panose="020B0604030504040204" pitchFamily="34" charset="-120"/>
-              <a:ea typeface="Microsoft JhengHei" panose="020B0604030504040204" pitchFamily="34" charset="-120"/>
-            </a:endParaRPr>
-          </a:p>
-          <a:p>
-            <a:pPr marL="0" indent="0" algn="ctr">
-              <a:buNone/>
-            </a:pPr>
-            <a:r>
-              <a:rPr lang="zh-CN" altLang="en-US" sz="5400" b="1" dirty="0">
-                <a:latin typeface="Microsoft JhengHei" panose="020B0604030504040204" pitchFamily="34" charset="-120"/>
-                <a:ea typeface="Microsoft JhengHei" panose="020B0604030504040204" pitchFamily="34" charset="-120"/>
-              </a:rPr>
-              <a:t>光</a:t>
-            </a:r>
-            <a:r>
-              <a:rPr lang="zh-CN" altLang="en-US" sz="5400" b="1" dirty="0" smtClean="0">
-                <a:latin typeface="Microsoft JhengHei" panose="020B0604030504040204" pitchFamily="34" charset="-120"/>
-                <a:ea typeface="Microsoft JhengHei" panose="020B0604030504040204" pitchFamily="34" charset="-120"/>
-              </a:rPr>
-              <a:t>明時日我要他  黑雲滿佈我要他</a:t>
-            </a:r>
-            <a:endParaRPr lang="en-US" altLang="zh-CN" sz="5400" b="1" dirty="0" smtClean="0">
-              <a:latin typeface="Microsoft JhengHei" panose="020B0604030504040204" pitchFamily="34" charset="-120"/>
-              <a:ea typeface="Microsoft JhengHei" panose="020B0604030504040204" pitchFamily="34" charset="-120"/>
-            </a:endParaRPr>
-          </a:p>
-          <a:p>
-            <a:pPr marL="0" indent="0" algn="ctr">
-              <a:buNone/>
-            </a:pPr>
-            <a:r>
-              <a:rPr lang="zh-CN" altLang="en-US" sz="5400" b="1" dirty="0">
-                <a:latin typeface="Microsoft JhengHei" panose="020B0604030504040204" pitchFamily="34" charset="-120"/>
-                <a:ea typeface="Microsoft JhengHei" panose="020B0604030504040204" pitchFamily="34" charset="-120"/>
-              </a:rPr>
-              <a:t>每日在我生命</a:t>
-            </a:r>
-            <a:r>
-              <a:rPr lang="zh-CN" altLang="en-US" sz="5400" b="1" dirty="0" smtClean="0">
-                <a:latin typeface="Microsoft JhengHei" panose="020B0604030504040204" pitchFamily="34" charset="-120"/>
-                <a:ea typeface="Microsoft JhengHei" panose="020B0604030504040204" pitchFamily="34" charset="-120"/>
-              </a:rPr>
-              <a:t>中  我要耶穌</a:t>
-            </a:r>
-            <a:endParaRPr lang="en-US" altLang="zh-CN" sz="5400" b="1" dirty="0" smtClean="0">
-              <a:latin typeface="Microsoft JhengHei" panose="020B0604030504040204" pitchFamily="34" charset="-120"/>
-              <a:ea typeface="Microsoft JhengHei" panose="020B0604030504040204" pitchFamily="34" charset="-120"/>
-            </a:endParaRPr>
-          </a:p>
         </p:txBody>
       </p:sp>
     </p:spTree>
     <p:extLst>
       <p:ext uri="{BB962C8B-B14F-4D97-AF65-F5344CB8AC3E}">
-        <p14:creationId xmlns:p14="http://schemas.microsoft.com/office/powerpoint/2010/main" val="693882757"/>
+        <p14:creationId xmlns:p14="http://schemas.microsoft.com/office/powerpoint/2010/main" val="223549679"/>
       </p:ext>
     </p:extLst>
   </p:cSld>
   <p:clrMapOvr>
     <a:masterClrMapping/>
   </p:clrMapOvr>
+  <p:timing>
+    <p:tnLst>
+      <p:par>
+        <p:cTn id="1" dur="indefinite" restart="never" nodeType="tmRoot"/>
+      </p:par>
+    </p:tnLst>
+  </p:timing>
 </p:sld>
 </file>
 
@@ -3827,170 +4516,88 @@
       </p:grpSpPr>
       <p:sp>
         <p:nvSpPr>
-          <p:cNvPr id="2" name="Title 1"/>
-          <p:cNvSpPr>
-            <a:spLocks noGrp="1"/>
-          </p:cNvSpPr>
-          <p:nvPr>
-            <p:ph type="title"/>
-          </p:nvPr>
-        </p:nvSpPr>
-        <p:spPr/>
-        <p:txBody>
-          <a:bodyPr>
+          <p:cNvPr id="5" name="內容版面配置區 4"/>
+          <p:cNvSpPr>
+            <a:spLocks noGrp="1"/>
+          </p:cNvSpPr>
+          <p:nvPr>
+            <p:ph idx="1"/>
+          </p:nvPr>
+        </p:nvSpPr>
+        <p:spPr>
+          <a:xfrm>
+            <a:off x="0" y="2084851"/>
+            <a:ext cx="12192000" cy="2404863"/>
+          </a:xfrm>
+        </p:spPr>
+        <p:txBody>
+          <a:bodyPr anchor="ctr">
             <a:normAutofit/>
           </a:bodyPr>
           <a:lstStyle/>
           <a:p>
-            <a:r>
-              <a:rPr lang="zh-CN" altLang="en-US" sz="4800" b="1" dirty="0" smtClean="0">
+            <a:pPr marL="0" indent="0" algn="ctr">
+              <a:buNone/>
+            </a:pPr>
+            <a:r>
+              <a:rPr lang="zh-CN" altLang="en-US" sz="6400" b="1" dirty="0">
+                <a:solidFill>
+                  <a:srgbClr val="660033"/>
+                </a:solidFill>
                 <a:latin typeface="Microsoft JhengHei" panose="020B0604030504040204" pitchFamily="34" charset="-120"/>
                 <a:ea typeface="Microsoft JhengHei" panose="020B0604030504040204" pitchFamily="34" charset="-120"/>
               </a:rPr>
-              <a:t>我要耶穌</a:t>
-            </a:r>
-            <a:endParaRPr lang="vi-VN" sz="4800" b="1" dirty="0">
+              <a:t>光明時日我要祂  </a:t>
+            </a:r>
+            <a:endParaRPr lang="en-US" altLang="zh-CN" sz="6400" b="1" dirty="0">
+              <a:solidFill>
+                <a:srgbClr val="660033"/>
+              </a:solidFill>
+              <a:latin typeface="Microsoft JhengHei" panose="020B0604030504040204" pitchFamily="34" charset="-120"/>
               <a:ea typeface="Microsoft JhengHei" panose="020B0604030504040204" pitchFamily="34" charset="-120"/>
             </a:endParaRPr>
           </a:p>
-        </p:txBody>
-      </p:sp>
-      <p:sp>
-        <p:nvSpPr>
-          <p:cNvPr id="3" name="Content Placeholder 2"/>
-          <p:cNvSpPr>
-            <a:spLocks noGrp="1"/>
-          </p:cNvSpPr>
-          <p:nvPr>
-            <p:ph idx="1"/>
-          </p:nvPr>
-        </p:nvSpPr>
-        <p:spPr/>
-        <p:txBody>
-          <a:bodyPr>
-            <a:normAutofit/>
-          </a:bodyPr>
-          <a:lstStyle/>
           <a:p>
             <a:pPr marL="0" indent="0" algn="ctr">
               <a:buNone/>
             </a:pPr>
             <a:r>
-              <a:rPr lang="zh-CN" altLang="en-US" sz="5400" b="1" dirty="0" smtClean="0">
+              <a:rPr lang="zh-CN" altLang="en-US" sz="6400" b="1" dirty="0">
+                <a:solidFill>
+                  <a:srgbClr val="660033"/>
+                </a:solidFill>
                 <a:latin typeface="Microsoft JhengHei" panose="020B0604030504040204" pitchFamily="34" charset="-120"/>
                 <a:ea typeface="Microsoft JhengHei" panose="020B0604030504040204" pitchFamily="34" charset="-120"/>
               </a:rPr>
-              <a:t>自生至死我必需要耶穌</a:t>
-            </a:r>
-            <a:endParaRPr lang="en-US" altLang="zh-CN" sz="5400" b="1" dirty="0" smtClean="0">
+              <a:t>黑雲滿佈我要祂</a:t>
+            </a:r>
+            <a:endParaRPr lang="en-US" altLang="zh-CN" sz="6400" b="1" dirty="0">
+              <a:solidFill>
+                <a:srgbClr val="660033"/>
+              </a:solidFill>
               <a:latin typeface="Microsoft JhengHei" panose="020B0604030504040204" pitchFamily="34" charset="-120"/>
               <a:ea typeface="Microsoft JhengHei" panose="020B0604030504040204" pitchFamily="34" charset="-120"/>
             </a:endParaRPr>
           </a:p>
-          <a:p>
-            <a:pPr marL="0" indent="0" algn="ctr">
-              <a:buNone/>
-            </a:pPr>
-            <a:r>
-              <a:rPr lang="zh-CN" altLang="en-US" sz="5400" b="1" dirty="0">
-                <a:latin typeface="Microsoft JhengHei" panose="020B0604030504040204" pitchFamily="34" charset="-120"/>
-                <a:ea typeface="Microsoft JhengHei" panose="020B0604030504040204" pitchFamily="34" charset="-120"/>
-              </a:rPr>
-              <a:t>無</a:t>
-            </a:r>
-            <a:r>
-              <a:rPr lang="zh-CN" altLang="en-US" sz="5400" b="1" dirty="0" smtClean="0">
-                <a:latin typeface="Microsoft JhengHei" panose="020B0604030504040204" pitchFamily="34" charset="-120"/>
-                <a:ea typeface="Microsoft JhengHei" panose="020B0604030504040204" pitchFamily="34" charset="-120"/>
-              </a:rPr>
-              <a:t>人像主他是罪人朋友</a:t>
-            </a:r>
-            <a:endParaRPr lang="en-US" altLang="zh-CN" sz="5400" b="1" dirty="0" smtClean="0">
-              <a:latin typeface="Microsoft JhengHei" panose="020B0604030504040204" pitchFamily="34" charset="-120"/>
-              <a:ea typeface="Microsoft JhengHei" panose="020B0604030504040204" pitchFamily="34" charset="-120"/>
-            </a:endParaRPr>
-          </a:p>
-          <a:p>
-            <a:pPr marL="0" indent="0" algn="ctr">
-              <a:buNone/>
-            </a:pPr>
-            <a:r>
-              <a:rPr lang="zh-CN" altLang="en-US" sz="5400" b="1" dirty="0" smtClean="0">
-                <a:latin typeface="Microsoft JhengHei" panose="020B0604030504040204" pitchFamily="34" charset="-120"/>
-                <a:ea typeface="Microsoft JhengHei" panose="020B0604030504040204" pitchFamily="34" charset="-120"/>
-              </a:rPr>
-              <a:t>在急難詩我更需要耶穌</a:t>
-            </a:r>
-            <a:endParaRPr lang="en-US" altLang="zh-CN" sz="5400" b="1" dirty="0" smtClean="0">
-              <a:latin typeface="Microsoft JhengHei" panose="020B0604030504040204" pitchFamily="34" charset="-120"/>
-              <a:ea typeface="Microsoft JhengHei" panose="020B0604030504040204" pitchFamily="34" charset="-120"/>
-            </a:endParaRPr>
-          </a:p>
-          <a:p>
-            <a:pPr marL="0" indent="0" algn="ctr">
-              <a:buNone/>
-            </a:pPr>
-            <a:r>
-              <a:rPr lang="zh-CN" altLang="en-US" sz="5400" b="1" dirty="0">
-                <a:latin typeface="Microsoft JhengHei" panose="020B0604030504040204" pitchFamily="34" charset="-120"/>
-                <a:ea typeface="Microsoft JhengHei" panose="020B0604030504040204" pitchFamily="34" charset="-120"/>
-              </a:rPr>
-              <a:t>全</a:t>
-            </a:r>
-            <a:r>
-              <a:rPr lang="zh-CN" altLang="en-US" sz="5400" b="1" dirty="0" smtClean="0">
-                <a:latin typeface="Microsoft JhengHei" panose="020B0604030504040204" pitchFamily="34" charset="-120"/>
-                <a:ea typeface="Microsoft JhengHei" panose="020B0604030504040204" pitchFamily="34" charset="-120"/>
-              </a:rPr>
-              <a:t>能救主憐憫看顧  我需要耶穌</a:t>
-            </a:r>
-            <a:endParaRPr lang="en-US" altLang="zh-CN" sz="5400" b="1" dirty="0" smtClean="0">
-              <a:latin typeface="Microsoft JhengHei" panose="020B0604030504040204" pitchFamily="34" charset="-120"/>
-              <a:ea typeface="Microsoft JhengHei" panose="020B0604030504040204" pitchFamily="34" charset="-120"/>
-            </a:endParaRPr>
-          </a:p>
-        </p:txBody>
-      </p:sp>
-      <p:sp>
-        <p:nvSpPr>
-          <p:cNvPr id="4" name="TextBox 3"/>
-          <p:cNvSpPr txBox="1"/>
-          <p:nvPr/>
-        </p:nvSpPr>
-        <p:spPr>
-          <a:xfrm>
-            <a:off x="609600" y="1661824"/>
-            <a:ext cx="1020417" cy="923330"/>
-          </a:xfrm>
-          <a:prstGeom prst="rect">
-            <a:avLst/>
-          </a:prstGeom>
-          <a:noFill/>
-        </p:spPr>
-        <p:txBody>
-          <a:bodyPr wrap="square" rtlCol="0">
-            <a:spAutoFit/>
-          </a:bodyPr>
-          <a:lstStyle/>
-          <a:p>
-            <a:r>
-              <a:rPr lang="en-US" sz="5400" b="1" dirty="0" smtClean="0"/>
-              <a:t>3.</a:t>
-            </a:r>
-            <a:endParaRPr lang="vi-VN" sz="5400" b="1" dirty="0"/>
-          </a:p>
         </p:txBody>
       </p:sp>
     </p:spTree>
     <p:extLst>
       <p:ext uri="{BB962C8B-B14F-4D97-AF65-F5344CB8AC3E}">
-        <p14:creationId xmlns:p14="http://schemas.microsoft.com/office/powerpoint/2010/main" val="2462699658"/>
+        <p14:creationId xmlns:p14="http://schemas.microsoft.com/office/powerpoint/2010/main" val="809796801"/>
       </p:ext>
     </p:extLst>
   </p:cSld>
   <p:clrMapOvr>
     <a:masterClrMapping/>
   </p:clrMapOvr>
+  <p:timing>
+    <p:tnLst>
+      <p:par>
+        <p:cTn id="1" dur="indefinite" restart="never" nodeType="tmRoot"/>
+      </p:par>
+    </p:tnLst>
+  </p:timing>
 </p:sld>
 </file>
 
@@ -4013,161 +4620,478 @@
       </p:grpSpPr>
       <p:sp>
         <p:nvSpPr>
-          <p:cNvPr id="2" name="Title 1"/>
-          <p:cNvSpPr>
-            <a:spLocks noGrp="1"/>
-          </p:cNvSpPr>
-          <p:nvPr>
-            <p:ph type="title"/>
-          </p:nvPr>
-        </p:nvSpPr>
-        <p:spPr/>
-        <p:txBody>
-          <a:bodyPr>
+          <p:cNvPr id="5" name="內容版面配置區 4"/>
+          <p:cNvSpPr>
+            <a:spLocks noGrp="1"/>
+          </p:cNvSpPr>
+          <p:nvPr>
+            <p:ph idx="1"/>
+          </p:nvPr>
+        </p:nvSpPr>
+        <p:spPr>
+          <a:xfrm>
+            <a:off x="0" y="2084851"/>
+            <a:ext cx="12192000" cy="2404863"/>
+          </a:xfrm>
+        </p:spPr>
+        <p:txBody>
+          <a:bodyPr anchor="ctr">
             <a:normAutofit/>
           </a:bodyPr>
           <a:lstStyle/>
           <a:p>
-            <a:r>
-              <a:rPr lang="zh-CN" altLang="en-US" sz="4800" b="1" dirty="0" smtClean="0">
+            <a:pPr marL="0" indent="0" algn="ctr">
+              <a:buNone/>
+            </a:pPr>
+            <a:r>
+              <a:rPr lang="zh-CN" altLang="en-US" sz="6400" b="1" dirty="0">
+                <a:solidFill>
+                  <a:srgbClr val="660033"/>
+                </a:solidFill>
+                <a:latin typeface="Microsoft JhengHei" panose="020B0604030504040204" pitchFamily="34" charset="-120"/>
+                <a:ea typeface="Microsoft JhengHei" panose="020B0604030504040204" pitchFamily="34" charset="-120"/>
+              </a:rPr>
+              <a:t>每日在我生命中  </a:t>
+            </a:r>
+            <a:endParaRPr lang="en-US" altLang="zh-CN" sz="6400" b="1" dirty="0">
+              <a:solidFill>
+                <a:srgbClr val="660033"/>
+              </a:solidFill>
+              <a:latin typeface="Microsoft JhengHei" panose="020B0604030504040204" pitchFamily="34" charset="-120"/>
+              <a:ea typeface="Microsoft JhengHei" panose="020B0604030504040204" pitchFamily="34" charset="-120"/>
+            </a:endParaRPr>
+          </a:p>
+          <a:p>
+            <a:pPr marL="0" indent="0" algn="ctr">
+              <a:buNone/>
+            </a:pPr>
+            <a:r>
+              <a:rPr lang="zh-CN" altLang="en-US" sz="6400" b="1" dirty="0">
+                <a:solidFill>
+                  <a:srgbClr val="660033"/>
+                </a:solidFill>
                 <a:latin typeface="Microsoft JhengHei" panose="020B0604030504040204" pitchFamily="34" charset="-120"/>
                 <a:ea typeface="Microsoft JhengHei" panose="020B0604030504040204" pitchFamily="34" charset="-120"/>
               </a:rPr>
               <a:t>我要耶穌</a:t>
             </a:r>
-            <a:endParaRPr lang="vi-VN" sz="4800" b="1" dirty="0">
-              <a:ea typeface="Microsoft JhengHei" panose="020B0604030504040204" pitchFamily="34" charset="-120"/>
-            </a:endParaRPr>
-          </a:p>
-        </p:txBody>
-      </p:sp>
-      <p:sp>
-        <p:nvSpPr>
-          <p:cNvPr id="3" name="Content Placeholder 2"/>
-          <p:cNvSpPr>
-            <a:spLocks noGrp="1"/>
-          </p:cNvSpPr>
-          <p:nvPr>
-            <p:ph idx="1"/>
-          </p:nvPr>
-        </p:nvSpPr>
-        <p:spPr/>
-        <p:txBody>
-          <a:bodyPr>
-            <a:normAutofit/>
-          </a:bodyPr>
-          <a:lstStyle/>
-          <a:p>
-            <a:pPr marL="0" indent="0" algn="ctr">
-              <a:buNone/>
-            </a:pPr>
-            <a:r>
-              <a:rPr lang="zh-CN" altLang="en-US" sz="5400" b="1" dirty="0" smtClean="0">
-                <a:latin typeface="Microsoft JhengHei" panose="020B0604030504040204" pitchFamily="34" charset="-120"/>
-                <a:ea typeface="Microsoft JhengHei" panose="020B0604030504040204" pitchFamily="34" charset="-120"/>
-              </a:rPr>
-              <a:t>我要耶穌  我</a:t>
-            </a:r>
-            <a:r>
-              <a:rPr lang="zh-CN" altLang="en-US" sz="5400" b="1" dirty="0">
-                <a:latin typeface="Microsoft JhengHei" panose="020B0604030504040204" pitchFamily="34" charset="-120"/>
-                <a:ea typeface="Microsoft JhengHei" panose="020B0604030504040204" pitchFamily="34" charset="-120"/>
-              </a:rPr>
-              <a:t>要耶</a:t>
-            </a:r>
-            <a:r>
-              <a:rPr lang="zh-CN" altLang="en-US" sz="5400" b="1" dirty="0" smtClean="0">
-                <a:latin typeface="Microsoft JhengHei" panose="020B0604030504040204" pitchFamily="34" charset="-120"/>
-                <a:ea typeface="Microsoft JhengHei" panose="020B0604030504040204" pitchFamily="34" charset="-120"/>
-              </a:rPr>
-              <a:t>穌</a:t>
-            </a:r>
-            <a:endParaRPr lang="en-US" altLang="zh-CN" sz="5400" b="1" dirty="0" smtClean="0">
+            <a:endParaRPr lang="en-US" altLang="zh-CN" sz="6400" b="1" dirty="0">
+              <a:solidFill>
+                <a:srgbClr val="660033"/>
+              </a:solidFill>
               <a:latin typeface="Microsoft JhengHei" panose="020B0604030504040204" pitchFamily="34" charset="-120"/>
               <a:ea typeface="Microsoft JhengHei" panose="020B0604030504040204" pitchFamily="34" charset="-120"/>
             </a:endParaRPr>
           </a:p>
-          <a:p>
-            <a:pPr marL="0" indent="0" algn="ctr">
-              <a:buNone/>
-            </a:pPr>
-            <a:r>
-              <a:rPr lang="zh-CN" altLang="en-US" sz="5400" b="1" dirty="0">
-                <a:latin typeface="Microsoft JhengHei" panose="020B0604030504040204" pitchFamily="34" charset="-120"/>
-                <a:ea typeface="Microsoft JhengHei" panose="020B0604030504040204" pitchFamily="34" charset="-120"/>
-              </a:rPr>
-              <a:t>我每</a:t>
-            </a:r>
-            <a:r>
-              <a:rPr lang="zh-CN" altLang="en-US" sz="5400" b="1" dirty="0" smtClean="0">
-                <a:latin typeface="Microsoft JhengHei" panose="020B0604030504040204" pitchFamily="34" charset="-120"/>
-                <a:ea typeface="Microsoft JhengHei" panose="020B0604030504040204" pitchFamily="34" charset="-120"/>
-              </a:rPr>
-              <a:t>日需要耶穌</a:t>
-            </a:r>
-            <a:endParaRPr lang="en-US" altLang="zh-CN" sz="5400" b="1" dirty="0" smtClean="0">
-              <a:latin typeface="Microsoft JhengHei" panose="020B0604030504040204" pitchFamily="34" charset="-120"/>
-              <a:ea typeface="Microsoft JhengHei" panose="020B0604030504040204" pitchFamily="34" charset="-120"/>
-            </a:endParaRPr>
-          </a:p>
-          <a:p>
-            <a:pPr marL="0" indent="0" algn="ctr">
-              <a:buNone/>
-            </a:pPr>
-            <a:r>
-              <a:rPr lang="zh-CN" altLang="en-US" sz="5400" b="1" dirty="0">
-                <a:latin typeface="Microsoft JhengHei" panose="020B0604030504040204" pitchFamily="34" charset="-120"/>
-                <a:ea typeface="Microsoft JhengHei" panose="020B0604030504040204" pitchFamily="34" charset="-120"/>
-              </a:rPr>
-              <a:t>光</a:t>
-            </a:r>
-            <a:r>
-              <a:rPr lang="zh-CN" altLang="en-US" sz="5400" b="1" dirty="0" smtClean="0">
-                <a:latin typeface="Microsoft JhengHei" panose="020B0604030504040204" pitchFamily="34" charset="-120"/>
-                <a:ea typeface="Microsoft JhengHei" panose="020B0604030504040204" pitchFamily="34" charset="-120"/>
-              </a:rPr>
-              <a:t>明時日我要他  黑雲滿佈我要他</a:t>
-            </a:r>
-            <a:endParaRPr lang="en-US" altLang="zh-CN" sz="5400" b="1" dirty="0" smtClean="0">
-              <a:latin typeface="Microsoft JhengHei" panose="020B0604030504040204" pitchFamily="34" charset="-120"/>
-              <a:ea typeface="Microsoft JhengHei" panose="020B0604030504040204" pitchFamily="34" charset="-120"/>
-            </a:endParaRPr>
-          </a:p>
-          <a:p>
-            <a:pPr marL="0" indent="0" algn="ctr">
-              <a:buNone/>
-            </a:pPr>
-            <a:r>
-              <a:rPr lang="zh-CN" altLang="en-US" sz="5400" b="1" dirty="0">
-                <a:latin typeface="Microsoft JhengHei" panose="020B0604030504040204" pitchFamily="34" charset="-120"/>
-                <a:ea typeface="Microsoft JhengHei" panose="020B0604030504040204" pitchFamily="34" charset="-120"/>
-              </a:rPr>
-              <a:t>每日在我生命</a:t>
-            </a:r>
-            <a:r>
-              <a:rPr lang="zh-CN" altLang="en-US" sz="5400" b="1" dirty="0" smtClean="0">
-                <a:latin typeface="Microsoft JhengHei" panose="020B0604030504040204" pitchFamily="34" charset="-120"/>
-                <a:ea typeface="Microsoft JhengHei" panose="020B0604030504040204" pitchFamily="34" charset="-120"/>
-              </a:rPr>
-              <a:t>中  我要耶穌</a:t>
-            </a:r>
-            <a:endParaRPr lang="en-US" altLang="zh-CN" sz="5400" b="1" dirty="0" smtClean="0">
-              <a:latin typeface="Microsoft JhengHei" panose="020B0604030504040204" pitchFamily="34" charset="-120"/>
-              <a:ea typeface="Microsoft JhengHei" panose="020B0604030504040204" pitchFamily="34" charset="-120"/>
-            </a:endParaRPr>
-          </a:p>
         </p:txBody>
       </p:sp>
     </p:spTree>
     <p:extLst>
       <p:ext uri="{BB962C8B-B14F-4D97-AF65-F5344CB8AC3E}">
-        <p14:creationId xmlns:p14="http://schemas.microsoft.com/office/powerpoint/2010/main" val="13832123"/>
+        <p14:creationId xmlns:p14="http://schemas.microsoft.com/office/powerpoint/2010/main" val="3363477837"/>
       </p:ext>
     </p:extLst>
   </p:cSld>
   <p:clrMapOvr>
     <a:masterClrMapping/>
   </p:clrMapOvr>
+  <p:timing>
+    <p:tnLst>
+      <p:par>
+        <p:cTn id="1" dur="indefinite" restart="never" nodeType="tmRoot"/>
+      </p:par>
+    </p:tnLst>
+  </p:timing>
+</p:sld>
+</file>
+
+<file path=ppt/slides/slide7.xml><?xml version="1.0" encoding="utf-8"?>
+<p:sld xmlns:a="http://schemas.openxmlformats.org/drawingml/2006/main" xmlns:r="http://schemas.openxmlformats.org/officeDocument/2006/relationships" xmlns:p="http://schemas.openxmlformats.org/presentationml/2006/main">
+  <p:cSld>
+    <p:spTree>
+      <p:nvGrpSpPr>
+        <p:cNvPr id="1" name=""/>
+        <p:cNvGrpSpPr/>
+        <p:nvPr/>
+      </p:nvGrpSpPr>
+      <p:grpSpPr>
+        <a:xfrm>
+          <a:off x="0" y="0"/>
+          <a:ext cx="0" cy="0"/>
+          <a:chOff x="0" y="0"/>
+          <a:chExt cx="0" cy="0"/>
+        </a:xfrm>
+      </p:grpSpPr>
+      <p:sp>
+        <p:nvSpPr>
+          <p:cNvPr id="5" name="內容版面配置區 4"/>
+          <p:cNvSpPr>
+            <a:spLocks noGrp="1"/>
+          </p:cNvSpPr>
+          <p:nvPr>
+            <p:ph idx="1"/>
+          </p:nvPr>
+        </p:nvSpPr>
+        <p:spPr>
+          <a:xfrm>
+            <a:off x="0" y="2084851"/>
+            <a:ext cx="12192000" cy="2404863"/>
+          </a:xfrm>
+        </p:spPr>
+        <p:txBody>
+          <a:bodyPr anchor="ctr">
+            <a:normAutofit/>
+          </a:bodyPr>
+          <a:lstStyle/>
+          <a:p>
+            <a:pPr marL="0" indent="0" algn="ctr">
+              <a:buNone/>
+            </a:pPr>
+            <a:r>
+              <a:rPr lang="zh-CN" altLang="en-US" sz="6400" b="1" dirty="0">
+                <a:solidFill>
+                  <a:srgbClr val="660033"/>
+                </a:solidFill>
+                <a:latin typeface="Microsoft JhengHei" panose="020B0604030504040204" pitchFamily="34" charset="-120"/>
+                <a:ea typeface="Microsoft JhengHei" panose="020B0604030504040204" pitchFamily="34" charset="-120"/>
+              </a:rPr>
+              <a:t>我需一友  有力量像耶穌</a:t>
+            </a:r>
+            <a:endParaRPr lang="en-US" altLang="zh-CN" sz="6400" b="1" dirty="0">
+              <a:solidFill>
+                <a:srgbClr val="660033"/>
+              </a:solidFill>
+              <a:latin typeface="Microsoft JhengHei" panose="020B0604030504040204" pitchFamily="34" charset="-120"/>
+              <a:ea typeface="Microsoft JhengHei" panose="020B0604030504040204" pitchFamily="34" charset="-120"/>
+            </a:endParaRPr>
+          </a:p>
+          <a:p>
+            <a:pPr marL="0" indent="0" algn="ctr">
+              <a:buNone/>
+            </a:pPr>
+            <a:r>
+              <a:rPr lang="zh-CN" altLang="en-US" sz="6400" b="1" dirty="0">
+                <a:solidFill>
+                  <a:srgbClr val="660033"/>
+                </a:solidFill>
+                <a:latin typeface="Microsoft JhengHei" panose="020B0604030504040204" pitchFamily="34" charset="-120"/>
+                <a:ea typeface="Microsoft JhengHei" panose="020B0604030504040204" pitchFamily="34" charset="-120"/>
+              </a:rPr>
+              <a:t>在幽暗中  主必引導保護</a:t>
+            </a:r>
+            <a:endParaRPr lang="en-US" altLang="zh-CN" sz="6400" b="1" dirty="0">
+              <a:solidFill>
+                <a:srgbClr val="660033"/>
+              </a:solidFill>
+              <a:latin typeface="Microsoft JhengHei" panose="020B0604030504040204" pitchFamily="34" charset="-120"/>
+              <a:ea typeface="Microsoft JhengHei" panose="020B0604030504040204" pitchFamily="34" charset="-120"/>
+            </a:endParaRPr>
+          </a:p>
+        </p:txBody>
+      </p:sp>
+      <p:sp>
+        <p:nvSpPr>
+          <p:cNvPr id="3" name="TextBox 2"/>
+          <p:cNvSpPr txBox="1"/>
+          <p:nvPr/>
+        </p:nvSpPr>
+        <p:spPr>
+          <a:xfrm>
+            <a:off x="0" y="5445224"/>
+            <a:ext cx="12192000" cy="748988"/>
+          </a:xfrm>
+          <a:prstGeom prst="rect">
+            <a:avLst/>
+          </a:prstGeom>
+          <a:noFill/>
+        </p:spPr>
+        <p:txBody>
+          <a:bodyPr wrap="square" rtlCol="0">
+            <a:spAutoFit/>
+          </a:bodyPr>
+          <a:lstStyle/>
+          <a:p>
+            <a:pPr algn="ctr"/>
+            <a:r>
+              <a:rPr lang="en-US" sz="4267" b="1" dirty="0">
+                <a:solidFill>
+                  <a:srgbClr val="660033"/>
+                </a:solidFill>
+              </a:rPr>
+              <a:t>( 2 )</a:t>
+            </a:r>
+            <a:endParaRPr lang="vi-VN" sz="4267" b="1" dirty="0">
+              <a:solidFill>
+                <a:srgbClr val="660033"/>
+              </a:solidFill>
+            </a:endParaRPr>
+          </a:p>
+        </p:txBody>
+      </p:sp>
+    </p:spTree>
+    <p:extLst>
+      <p:ext uri="{BB962C8B-B14F-4D97-AF65-F5344CB8AC3E}">
+        <p14:creationId xmlns:p14="http://schemas.microsoft.com/office/powerpoint/2010/main" val="4198946025"/>
+      </p:ext>
+    </p:extLst>
+  </p:cSld>
+  <p:clrMapOvr>
+    <a:masterClrMapping/>
+  </p:clrMapOvr>
+  <p:timing>
+    <p:tnLst>
+      <p:par>
+        <p:cTn id="1" dur="indefinite" restart="never" nodeType="tmRoot"/>
+      </p:par>
+    </p:tnLst>
+  </p:timing>
+</p:sld>
+</file>
+
+<file path=ppt/slides/slide8.xml><?xml version="1.0" encoding="utf-8"?>
+<p:sld xmlns:a="http://schemas.openxmlformats.org/drawingml/2006/main" xmlns:r="http://schemas.openxmlformats.org/officeDocument/2006/relationships" xmlns:p="http://schemas.openxmlformats.org/presentationml/2006/main">
+  <p:cSld>
+    <p:spTree>
+      <p:nvGrpSpPr>
+        <p:cNvPr id="1" name=""/>
+        <p:cNvGrpSpPr/>
+        <p:nvPr/>
+      </p:nvGrpSpPr>
+      <p:grpSpPr>
+        <a:xfrm>
+          <a:off x="0" y="0"/>
+          <a:ext cx="0" cy="0"/>
+          <a:chOff x="0" y="0"/>
+          <a:chExt cx="0" cy="0"/>
+        </a:xfrm>
+      </p:grpSpPr>
+      <p:sp>
+        <p:nvSpPr>
+          <p:cNvPr id="5" name="內容版面配置區 4"/>
+          <p:cNvSpPr>
+            <a:spLocks noGrp="1"/>
+          </p:cNvSpPr>
+          <p:nvPr>
+            <p:ph idx="1"/>
+          </p:nvPr>
+        </p:nvSpPr>
+        <p:spPr>
+          <a:xfrm>
+            <a:off x="0" y="2084851"/>
+            <a:ext cx="12192000" cy="2404863"/>
+          </a:xfrm>
+        </p:spPr>
+        <p:txBody>
+          <a:bodyPr anchor="ctr">
+            <a:normAutofit/>
+          </a:bodyPr>
+          <a:lstStyle/>
+          <a:p>
+            <a:pPr marL="0" indent="0" algn="ctr">
+              <a:buNone/>
+            </a:pPr>
+            <a:r>
+              <a:rPr lang="zh-CN" altLang="en-US" sz="6400" b="1" dirty="0">
+                <a:solidFill>
+                  <a:srgbClr val="660033"/>
+                </a:solidFill>
+                <a:latin typeface="Microsoft JhengHei" panose="020B0604030504040204" pitchFamily="34" charset="-120"/>
+                <a:ea typeface="Microsoft JhengHei" panose="020B0604030504040204" pitchFamily="34" charset="-120"/>
+              </a:rPr>
+              <a:t>靈慾相攻  惟獨需要耶穌</a:t>
+            </a:r>
+            <a:endParaRPr lang="en-US" altLang="zh-CN" sz="6400" b="1" dirty="0">
+              <a:solidFill>
+                <a:srgbClr val="660033"/>
+              </a:solidFill>
+              <a:latin typeface="Microsoft JhengHei" panose="020B0604030504040204" pitchFamily="34" charset="-120"/>
+              <a:ea typeface="Microsoft JhengHei" panose="020B0604030504040204" pitchFamily="34" charset="-120"/>
+            </a:endParaRPr>
+          </a:p>
+          <a:p>
+            <a:pPr marL="0" indent="0" algn="ctr">
+              <a:buNone/>
+            </a:pPr>
+            <a:r>
+              <a:rPr lang="zh-CN" altLang="en-US" sz="6400" b="1" dirty="0">
+                <a:solidFill>
+                  <a:srgbClr val="660033"/>
+                </a:solidFill>
+                <a:latin typeface="Microsoft JhengHei" panose="020B0604030504040204" pitchFamily="34" charset="-120"/>
+                <a:ea typeface="Microsoft JhengHei" panose="020B0604030504040204" pitchFamily="34" charset="-120"/>
+              </a:rPr>
+              <a:t>靠己我知必定失敗  故我要耶穌</a:t>
+            </a:r>
+            <a:endParaRPr lang="en-US" altLang="zh-CN" sz="6400" b="1" dirty="0">
+              <a:solidFill>
+                <a:srgbClr val="660033"/>
+              </a:solidFill>
+              <a:latin typeface="Microsoft JhengHei" panose="020B0604030504040204" pitchFamily="34" charset="-120"/>
+              <a:ea typeface="Microsoft JhengHei" panose="020B0604030504040204" pitchFamily="34" charset="-120"/>
+            </a:endParaRPr>
+          </a:p>
+        </p:txBody>
+      </p:sp>
+      <p:sp>
+        <p:nvSpPr>
+          <p:cNvPr id="3" name="TextBox 2"/>
+          <p:cNvSpPr txBox="1"/>
+          <p:nvPr/>
+        </p:nvSpPr>
+        <p:spPr>
+          <a:xfrm>
+            <a:off x="0" y="5445224"/>
+            <a:ext cx="12192000" cy="748988"/>
+          </a:xfrm>
+          <a:prstGeom prst="rect">
+            <a:avLst/>
+          </a:prstGeom>
+          <a:noFill/>
+        </p:spPr>
+        <p:txBody>
+          <a:bodyPr wrap="square" rtlCol="0">
+            <a:spAutoFit/>
+          </a:bodyPr>
+          <a:lstStyle/>
+          <a:p>
+            <a:pPr algn="ctr"/>
+            <a:r>
+              <a:rPr lang="en-US" sz="4267" b="1" dirty="0">
+                <a:solidFill>
+                  <a:srgbClr val="660033"/>
+                </a:solidFill>
+              </a:rPr>
+              <a:t>( 2 )</a:t>
+            </a:r>
+            <a:endParaRPr lang="vi-VN" sz="4267" b="1" dirty="0">
+              <a:solidFill>
+                <a:srgbClr val="660033"/>
+              </a:solidFill>
+            </a:endParaRPr>
+          </a:p>
+        </p:txBody>
+      </p:sp>
+    </p:spTree>
+    <p:extLst>
+      <p:ext uri="{BB962C8B-B14F-4D97-AF65-F5344CB8AC3E}">
+        <p14:creationId xmlns:p14="http://schemas.microsoft.com/office/powerpoint/2010/main" val="252186525"/>
+      </p:ext>
+    </p:extLst>
+  </p:cSld>
+  <p:clrMapOvr>
+    <a:masterClrMapping/>
+  </p:clrMapOvr>
+  <p:timing>
+    <p:tnLst>
+      <p:par>
+        <p:cTn id="1" dur="indefinite" restart="never" nodeType="tmRoot"/>
+      </p:par>
+    </p:tnLst>
+  </p:timing>
+</p:sld>
+</file>
+
+<file path=ppt/slides/slide9.xml><?xml version="1.0" encoding="utf-8"?>
+<p:sld xmlns:a="http://schemas.openxmlformats.org/drawingml/2006/main" xmlns:r="http://schemas.openxmlformats.org/officeDocument/2006/relationships" xmlns:p="http://schemas.openxmlformats.org/presentationml/2006/main">
+  <p:cSld>
+    <p:spTree>
+      <p:nvGrpSpPr>
+        <p:cNvPr id="1" name=""/>
+        <p:cNvGrpSpPr/>
+        <p:nvPr/>
+      </p:nvGrpSpPr>
+      <p:grpSpPr>
+        <a:xfrm>
+          <a:off x="0" y="0"/>
+          <a:ext cx="0" cy="0"/>
+          <a:chOff x="0" y="0"/>
+          <a:chExt cx="0" cy="0"/>
+        </a:xfrm>
+      </p:grpSpPr>
+      <p:sp>
+        <p:nvSpPr>
+          <p:cNvPr id="5" name="內容版面配置區 4"/>
+          <p:cNvSpPr>
+            <a:spLocks noGrp="1"/>
+          </p:cNvSpPr>
+          <p:nvPr>
+            <p:ph idx="1"/>
+          </p:nvPr>
+        </p:nvSpPr>
+        <p:spPr>
+          <a:xfrm>
+            <a:off x="0" y="2084851"/>
+            <a:ext cx="12192000" cy="2404863"/>
+          </a:xfrm>
+        </p:spPr>
+        <p:txBody>
+          <a:bodyPr anchor="ctr">
+            <a:normAutofit/>
+          </a:bodyPr>
+          <a:lstStyle/>
+          <a:p>
+            <a:pPr marL="0" indent="0" algn="ctr">
+              <a:buNone/>
+            </a:pPr>
+            <a:r>
+              <a:rPr lang="zh-CN" altLang="en-US" sz="6400" b="1" dirty="0">
+                <a:solidFill>
+                  <a:srgbClr val="660033"/>
+                </a:solidFill>
+                <a:latin typeface="Microsoft JhengHei" panose="020B0604030504040204" pitchFamily="34" charset="-120"/>
+                <a:ea typeface="Microsoft JhengHei" panose="020B0604030504040204" pitchFamily="34" charset="-120"/>
+              </a:rPr>
+              <a:t>我要耶穌  我要耶穌</a:t>
+            </a:r>
+            <a:endParaRPr lang="en-US" altLang="zh-CN" sz="6400" b="1" dirty="0">
+              <a:solidFill>
+                <a:srgbClr val="660033"/>
+              </a:solidFill>
+              <a:latin typeface="Microsoft JhengHei" panose="020B0604030504040204" pitchFamily="34" charset="-120"/>
+              <a:ea typeface="Microsoft JhengHei" panose="020B0604030504040204" pitchFamily="34" charset="-120"/>
+            </a:endParaRPr>
+          </a:p>
+          <a:p>
+            <a:pPr marL="0" indent="0" algn="ctr">
+              <a:buNone/>
+            </a:pPr>
+            <a:r>
+              <a:rPr lang="zh-CN" altLang="en-US" sz="6400" b="1" dirty="0">
+                <a:solidFill>
+                  <a:srgbClr val="660033"/>
+                </a:solidFill>
+                <a:latin typeface="Microsoft JhengHei" panose="020B0604030504040204" pitchFamily="34" charset="-120"/>
+                <a:ea typeface="Microsoft JhengHei" panose="020B0604030504040204" pitchFamily="34" charset="-120"/>
+              </a:rPr>
+              <a:t>我每日需要耶穌</a:t>
+            </a:r>
+            <a:endParaRPr lang="en-US" altLang="zh-CN" sz="6400" b="1" dirty="0">
+              <a:solidFill>
+                <a:srgbClr val="660033"/>
+              </a:solidFill>
+              <a:latin typeface="Microsoft JhengHei" panose="020B0604030504040204" pitchFamily="34" charset="-120"/>
+              <a:ea typeface="Microsoft JhengHei" panose="020B0604030504040204" pitchFamily="34" charset="-120"/>
+            </a:endParaRPr>
+          </a:p>
+        </p:txBody>
+      </p:sp>
+    </p:spTree>
+    <p:extLst>
+      <p:ext uri="{BB962C8B-B14F-4D97-AF65-F5344CB8AC3E}">
+        <p14:creationId xmlns:p14="http://schemas.microsoft.com/office/powerpoint/2010/main" val="1124183489"/>
+      </p:ext>
+    </p:extLst>
+  </p:cSld>
+  <p:clrMapOvr>
+    <a:masterClrMapping/>
+  </p:clrMapOvr>
+  <p:timing>
+    <p:tnLst>
+      <p:par>
+        <p:cTn id="1" dur="indefinite" restart="never" nodeType="tmRoot"/>
+      </p:par>
+    </p:tnLst>
+  </p:timing>
 </p:sld>
 </file>
 

--- a/宣道詩/(宣道詩24)我要耶穌.pptx
+++ b/宣道詩/(宣道詩24)我要耶穌.pptx
@@ -308,7 +308,7 @@
           <a:p>
             <a:fld id="{A01079F0-9A10-4680-8E05-B1ED70D41E13}" type="datetimeFigureOut">
               <a:rPr lang="vi-VN" smtClean="0"/>
-              <a:t>13/02/2021</a:t>
+              <a:t>17/09/2022</a:t>
             </a:fld>
             <a:endParaRPr lang="vi-VN"/>
           </a:p>
@@ -478,7 +478,7 @@
           <a:p>
             <a:fld id="{A01079F0-9A10-4680-8E05-B1ED70D41E13}" type="datetimeFigureOut">
               <a:rPr lang="vi-VN" smtClean="0"/>
-              <a:t>13/02/2021</a:t>
+              <a:t>17/09/2022</a:t>
             </a:fld>
             <a:endParaRPr lang="vi-VN"/>
           </a:p>
@@ -658,7 +658,7 @@
           <a:p>
             <a:fld id="{A01079F0-9A10-4680-8E05-B1ED70D41E13}" type="datetimeFigureOut">
               <a:rPr lang="vi-VN" smtClean="0"/>
-              <a:t>13/02/2021</a:t>
+              <a:t>17/09/2022</a:t>
             </a:fld>
             <a:endParaRPr lang="vi-VN"/>
           </a:p>
@@ -828,7 +828,7 @@
           <a:p>
             <a:fld id="{A01079F0-9A10-4680-8E05-B1ED70D41E13}" type="datetimeFigureOut">
               <a:rPr lang="vi-VN" smtClean="0"/>
-              <a:t>13/02/2021</a:t>
+              <a:t>17/09/2022</a:t>
             </a:fld>
             <a:endParaRPr lang="vi-VN"/>
           </a:p>
@@ -1074,7 +1074,7 @@
           <a:p>
             <a:fld id="{A01079F0-9A10-4680-8E05-B1ED70D41E13}" type="datetimeFigureOut">
               <a:rPr lang="vi-VN" smtClean="0"/>
-              <a:t>13/02/2021</a:t>
+              <a:t>17/09/2022</a:t>
             </a:fld>
             <a:endParaRPr lang="vi-VN"/>
           </a:p>
@@ -1362,7 +1362,7 @@
           <a:p>
             <a:fld id="{A01079F0-9A10-4680-8E05-B1ED70D41E13}" type="datetimeFigureOut">
               <a:rPr lang="vi-VN" smtClean="0"/>
-              <a:t>13/02/2021</a:t>
+              <a:t>17/09/2022</a:t>
             </a:fld>
             <a:endParaRPr lang="vi-VN"/>
           </a:p>
@@ -1784,7 +1784,7 @@
           <a:p>
             <a:fld id="{A01079F0-9A10-4680-8E05-B1ED70D41E13}" type="datetimeFigureOut">
               <a:rPr lang="vi-VN" smtClean="0"/>
-              <a:t>13/02/2021</a:t>
+              <a:t>17/09/2022</a:t>
             </a:fld>
             <a:endParaRPr lang="vi-VN"/>
           </a:p>
@@ -1902,7 +1902,7 @@
           <a:p>
             <a:fld id="{A01079F0-9A10-4680-8E05-B1ED70D41E13}" type="datetimeFigureOut">
               <a:rPr lang="vi-VN" smtClean="0"/>
-              <a:t>13/02/2021</a:t>
+              <a:t>17/09/2022</a:t>
             </a:fld>
             <a:endParaRPr lang="vi-VN"/>
           </a:p>
@@ -1997,7 +1997,7 @@
           <a:p>
             <a:fld id="{A01079F0-9A10-4680-8E05-B1ED70D41E13}" type="datetimeFigureOut">
               <a:rPr lang="vi-VN" smtClean="0"/>
-              <a:t>13/02/2021</a:t>
+              <a:t>17/09/2022</a:t>
             </a:fld>
             <a:endParaRPr lang="vi-VN"/>
           </a:p>
@@ -2274,7 +2274,7 @@
           <a:p>
             <a:fld id="{A01079F0-9A10-4680-8E05-B1ED70D41E13}" type="datetimeFigureOut">
               <a:rPr lang="vi-VN" smtClean="0"/>
-              <a:t>13/02/2021</a:t>
+              <a:t>17/09/2022</a:t>
             </a:fld>
             <a:endParaRPr lang="vi-VN"/>
           </a:p>
@@ -2531,7 +2531,7 @@
           <a:p>
             <a:fld id="{A01079F0-9A10-4680-8E05-B1ED70D41E13}" type="datetimeFigureOut">
               <a:rPr lang="vi-VN" smtClean="0"/>
-              <a:t>13/02/2021</a:t>
+              <a:t>17/09/2022</a:t>
             </a:fld>
             <a:endParaRPr lang="vi-VN"/>
           </a:p>
@@ -2749,7 +2749,7 @@
           <a:p>
             <a:fld id="{A01079F0-9A10-4680-8E05-B1ED70D41E13}" type="datetimeFigureOut">
               <a:rPr lang="vi-VN" smtClean="0"/>
-              <a:t>13/02/2021</a:t>
+              <a:t>17/09/2022</a:t>
             </a:fld>
             <a:endParaRPr lang="vi-VN"/>
           </a:p>
@@ -3245,24 +3245,7 @@
                 <a:latin typeface="微軟正黑體" pitchFamily="34" charset="-120"/>
                 <a:ea typeface="微軟正黑體" pitchFamily="34" charset="-120"/>
               </a:rPr>
-              <a:t>要</a:t>
-            </a:r>
-            <a:r>
-              <a:rPr lang="zh-CN" altLang="en-US" sz="8000" b="1" dirty="0">
-                <a:solidFill>
-                  <a:srgbClr val="660033"/>
-                </a:solidFill>
-                <a:effectLst>
-                  <a:outerShdw blurRad="38100" dist="38100" dir="2700000" algn="tl">
-                    <a:srgbClr val="000000">
-                      <a:alpha val="43137"/>
-                    </a:srgbClr>
-                  </a:outerShdw>
-                </a:effectLst>
-                <a:latin typeface="微軟正黑體" pitchFamily="34" charset="-120"/>
-                <a:ea typeface="微軟正黑體" pitchFamily="34" charset="-120"/>
-              </a:rPr>
-              <a:t>耶穌</a:t>
+              <a:t>要耶穌</a:t>
             </a:r>
             <a:endParaRPr lang="zh-TW" altLang="en-US" sz="8000" b="1" dirty="0">
               <a:solidFill>
@@ -3622,7 +3605,7 @@
                   <a:srgbClr val="660033"/>
                 </a:solidFill>
               </a:rPr>
-              <a:t>( 3 )</a:t>
+              <a:t>( 3 / 3 )</a:t>
             </a:r>
             <a:endParaRPr lang="vi-VN" sz="4267" b="1" dirty="0">
               <a:solidFill>
@@ -3765,7 +3748,23 @@
                   <a:srgbClr val="660033"/>
                 </a:solidFill>
               </a:rPr>
-              <a:t>( 3 )</a:t>
+              <a:t>( </a:t>
+            </a:r>
+            <a:r>
+              <a:rPr lang="en-US" sz="4267" b="1" dirty="0" smtClean="0">
+                <a:solidFill>
+                  <a:srgbClr val="660033"/>
+                </a:solidFill>
+              </a:rPr>
+              <a:t>3 </a:t>
+            </a:r>
+            <a:r>
+              <a:rPr lang="en-US" sz="4267" b="1" dirty="0">
+                <a:solidFill>
+                  <a:srgbClr val="660033"/>
+                </a:solidFill>
+              </a:rPr>
+              <a:t>/ 3 )</a:t>
             </a:r>
             <a:endParaRPr lang="vi-VN" sz="4267" b="1" dirty="0">
               <a:solidFill>
@@ -4220,7 +4219,23 @@
                   <a:srgbClr val="660033"/>
                 </a:solidFill>
               </a:rPr>
-              <a:t>( 1 )</a:t>
+              <a:t>( </a:t>
+            </a:r>
+            <a:r>
+              <a:rPr lang="en-US" sz="4267" b="1" dirty="0" smtClean="0">
+                <a:solidFill>
+                  <a:srgbClr val="660033"/>
+                </a:solidFill>
+              </a:rPr>
+              <a:t>1 / 3 </a:t>
+            </a:r>
+            <a:r>
+              <a:rPr lang="en-US" sz="4267" b="1" dirty="0">
+                <a:solidFill>
+                  <a:srgbClr val="660033"/>
+                </a:solidFill>
+              </a:rPr>
+              <a:t>)</a:t>
             </a:r>
             <a:endParaRPr lang="vi-VN" sz="4267" b="1" dirty="0">
               <a:solidFill>
@@ -4363,7 +4378,7 @@
                   <a:srgbClr val="660033"/>
                 </a:solidFill>
               </a:rPr>
-              <a:t>( 1 )</a:t>
+              <a:t>( 1 / 3 )</a:t>
             </a:r>
             <a:endParaRPr lang="vi-VN" sz="4267" b="1" dirty="0">
               <a:solidFill>
@@ -4818,7 +4833,23 @@
                   <a:srgbClr val="660033"/>
                 </a:solidFill>
               </a:rPr>
-              <a:t>( 2 )</a:t>
+              <a:t>( </a:t>
+            </a:r>
+            <a:r>
+              <a:rPr lang="en-US" sz="4267" b="1" dirty="0" smtClean="0">
+                <a:solidFill>
+                  <a:srgbClr val="660033"/>
+                </a:solidFill>
+              </a:rPr>
+              <a:t>2 </a:t>
+            </a:r>
+            <a:r>
+              <a:rPr lang="en-US" sz="4267" b="1" dirty="0">
+                <a:solidFill>
+                  <a:srgbClr val="660033"/>
+                </a:solidFill>
+              </a:rPr>
+              <a:t>/ 3 )</a:t>
             </a:r>
             <a:endParaRPr lang="vi-VN" sz="4267" b="1" dirty="0">
               <a:solidFill>
@@ -4961,7 +4992,7 @@
                   <a:srgbClr val="660033"/>
                 </a:solidFill>
               </a:rPr>
-              <a:t>( 2 )</a:t>
+              <a:t>( 2 / 3 )</a:t>
             </a:r>
             <a:endParaRPr lang="vi-VN" sz="4267" b="1" dirty="0">
               <a:solidFill>
